--- a/SoccerSlideDeck.pptx
+++ b/SoccerSlideDeck.pptx
@@ -5400,8 +5400,15 @@
                   <a:schemeClr val="tx1"/>
                 </a:solidFill>
               </a:rPr>
-              <a:t>And Beating the Odds</a:t>
-            </a:r>
+              <a:t>And Profiting From It</a:t>
+            </a:r>
+          </a:p>
+          <a:p>
+            <a:endParaRPr lang="en-US" dirty="0">
+              <a:solidFill>
+                <a:schemeClr val="tx1"/>
+              </a:solidFill>
+            </a:endParaRPr>
           </a:p>
         </p:txBody>
       </p:sp>
@@ -10188,7 +10195,7 @@
           <p:nvPr>
             <p:extLst>
               <p:ext uri="{D42A27DB-BD31-4B8C-83A1-F6EECF244321}">
-                <p14:modId xmlns:p14="http://schemas.microsoft.com/office/powerpoint/2010/main" val="553265798"/>
+                <p14:modId xmlns:p14="http://schemas.microsoft.com/office/powerpoint/2010/main" val="3905412741"/>
               </p:ext>
             </p:extLst>
           </p:nvPr>
@@ -10246,8 +10253,12 @@
                     <a:lstStyle/>
                     <a:p>
                       <a:r>
+                        <a:rPr lang="en-US" b="0" dirty="0" err="1"/>
+                        <a:t>HTgoalDiff</a:t>
+                      </a:r>
+                      <a:r>
                         <a:rPr lang="en-US" b="0" dirty="0"/>
-                        <a:t>goals*</a:t>
+                        <a:t>*</a:t>
                       </a:r>
                     </a:p>
                   </a:txBody>
@@ -10260,7 +10271,7 @@
                     <a:p>
                       <a:r>
                         <a:rPr lang="en-US" b="0" dirty="0" err="1"/>
-                        <a:t>oppgoals</a:t>
+                        <a:t>ATgoalDiff</a:t>
                       </a:r>
                       <a:r>
                         <a:rPr lang="en-US" b="0" dirty="0"/>
@@ -10298,7 +10309,7 @@
                     <a:p>
                       <a:r>
                         <a:rPr lang="en-US" dirty="0" err="1"/>
-                        <a:t>shotson</a:t>
+                        <a:t>HTshoton</a:t>
                       </a:r>
                       <a:r>
                         <a:rPr lang="en-US" dirty="0"/>
@@ -10315,7 +10326,7 @@
                     <a:p>
                       <a:r>
                         <a:rPr lang="en-US" dirty="0" err="1"/>
-                        <a:t>oppShotson</a:t>
+                        <a:t>AThoton</a:t>
                       </a:r>
                       <a:r>
                         <a:rPr lang="en-US" dirty="0"/>
@@ -10353,7 +10364,7 @@
                     <a:p>
                       <a:r>
                         <a:rPr lang="en-US" dirty="0" err="1"/>
-                        <a:t>shotsoff</a:t>
+                        <a:t>HTshotoff</a:t>
                       </a:r>
                       <a:r>
                         <a:rPr lang="en-US" dirty="0"/>
@@ -10370,7 +10381,7 @@
                     <a:p>
                       <a:r>
                         <a:rPr lang="en-US" dirty="0" err="1"/>
-                        <a:t>oppShotsoff</a:t>
+                        <a:t>ATShotoff</a:t>
                       </a:r>
                       <a:r>
                         <a:rPr lang="en-US" dirty="0"/>
@@ -10407,21 +10418,25 @@
                     <a:lstStyle/>
                     <a:p>
                       <a:r>
-                        <a:rPr lang="en-US" dirty="0"/>
-                        <a:t>fouls*</a:t>
-                      </a:r>
-                    </a:p>
-                  </a:txBody>
-                  <a:tcPr/>
-                </a:tc>
-                <a:tc>
-                  <a:txBody>
-                    <a:bodyPr/>
-                    <a:lstStyle/>
-                    <a:p>
-                      <a:r>
                         <a:rPr lang="en-US" dirty="0" err="1"/>
-                        <a:t>oppFouls</a:t>
+                        <a:t>HTfouls</a:t>
+                      </a:r>
+                      <a:r>
+                        <a:rPr lang="en-US" dirty="0"/>
+                        <a:t>*</a:t>
+                      </a:r>
+                    </a:p>
+                  </a:txBody>
+                  <a:tcPr/>
+                </a:tc>
+                <a:tc>
+                  <a:txBody>
+                    <a:bodyPr/>
+                    <a:lstStyle/>
+                    <a:p>
+                      <a:r>
+                        <a:rPr lang="en-US" dirty="0" err="1"/>
+                        <a:t>ATfouls</a:t>
                       </a:r>
                       <a:r>
                         <a:rPr lang="en-US" dirty="0"/>
@@ -10458,7 +10473,7 @@
                     <a:p>
                       <a:r>
                         <a:rPr lang="en-US" dirty="0" err="1"/>
-                        <a:t>Ycards</a:t>
+                        <a:t>htYcard</a:t>
                       </a:r>
                       <a:r>
                         <a:rPr lang="en-US" dirty="0"/>
@@ -10475,7 +10490,7 @@
                     <a:p>
                       <a:r>
                         <a:rPr lang="en-US" dirty="0" err="1"/>
-                        <a:t>oppYcards</a:t>
+                        <a:t>atYcard</a:t>
                       </a:r>
                       <a:r>
                         <a:rPr lang="en-US" dirty="0"/>
@@ -10509,7 +10524,7 @@
                     <a:p>
                       <a:r>
                         <a:rPr lang="en-US" dirty="0" err="1"/>
-                        <a:t>Rcards</a:t>
+                        <a:t>htRcard</a:t>
                       </a:r>
                       <a:r>
                         <a:rPr lang="en-US" dirty="0"/>
@@ -10526,7 +10541,7 @@
                     <a:p>
                       <a:r>
                         <a:rPr lang="en-US" dirty="0" err="1"/>
-                        <a:t>oppRcards</a:t>
+                        <a:t>atRcard</a:t>
                       </a:r>
                       <a:r>
                         <a:rPr lang="en-US" dirty="0"/>
@@ -10562,21 +10577,25 @@
                     <a:lstStyle/>
                     <a:p>
                       <a:r>
-                        <a:rPr lang="en-US" dirty="0"/>
-                        <a:t>crosses*</a:t>
-                      </a:r>
-                    </a:p>
-                  </a:txBody>
-                  <a:tcPr/>
-                </a:tc>
-                <a:tc>
-                  <a:txBody>
-                    <a:bodyPr/>
-                    <a:lstStyle/>
-                    <a:p>
-                      <a:r>
                         <a:rPr lang="en-US" dirty="0" err="1"/>
-                        <a:t>oppCrosses</a:t>
+                        <a:t>HTcross</a:t>
+                      </a:r>
+                      <a:r>
+                        <a:rPr lang="en-US" dirty="0"/>
+                        <a:t>*</a:t>
+                      </a:r>
+                    </a:p>
+                  </a:txBody>
+                  <a:tcPr/>
+                </a:tc>
+                <a:tc>
+                  <a:txBody>
+                    <a:bodyPr/>
+                    <a:lstStyle/>
+                    <a:p>
+                      <a:r>
+                        <a:rPr lang="en-US" dirty="0" err="1"/>
+                        <a:t>ATCross</a:t>
                       </a:r>
                       <a:r>
                         <a:rPr lang="en-US" dirty="0"/>
@@ -10612,21 +10631,25 @@
                     <a:lstStyle/>
                     <a:p>
                       <a:r>
-                        <a:rPr lang="en-US" dirty="0"/>
-                        <a:t>corners*</a:t>
-                      </a:r>
-                    </a:p>
-                  </a:txBody>
-                  <a:tcPr/>
-                </a:tc>
-                <a:tc>
-                  <a:txBody>
-                    <a:bodyPr/>
-                    <a:lstStyle/>
-                    <a:p>
-                      <a:r>
                         <a:rPr lang="en-US" dirty="0" err="1"/>
-                        <a:t>oppCorners</a:t>
+                        <a:t>HTcorners</a:t>
+                      </a:r>
+                      <a:r>
+                        <a:rPr lang="en-US" dirty="0"/>
+                        <a:t>*</a:t>
+                      </a:r>
+                    </a:p>
+                  </a:txBody>
+                  <a:tcPr/>
+                </a:tc>
+                <a:tc>
+                  <a:txBody>
+                    <a:bodyPr/>
+                    <a:lstStyle/>
+                    <a:p>
+                      <a:r>
+                        <a:rPr lang="en-US" dirty="0" err="1"/>
+                        <a:t>ATcorners</a:t>
                       </a:r>
                       <a:r>
                         <a:rPr lang="en-US" dirty="0"/>
@@ -11462,7 +11485,12 @@
             <p:ph idx="1"/>
           </p:nvPr>
         </p:nvSpPr>
-        <p:spPr/>
+        <p:spPr>
+          <a:xfrm>
+            <a:off x="684212" y="685800"/>
+            <a:ext cx="8534400" cy="4665133"/>
+          </a:xfrm>
+        </p:spPr>
         <p:txBody>
           <a:bodyPr/>
           <a:lstStyle/>
@@ -11512,7 +11540,7 @@
           <a:p>
             <a:pPr lvl="1"/>
             <a:r>
-              <a:rPr lang="en-US" dirty="0">
+              <a:rPr lang="en-US" sz="2000" dirty="0">
                 <a:solidFill>
                   <a:schemeClr val="tx1"/>
                 </a:solidFill>
@@ -11523,7 +11551,7 @@
           <a:p>
             <a:pPr lvl="1"/>
             <a:r>
-              <a:rPr lang="en-US" dirty="0">
+              <a:rPr lang="en-US" sz="2000" dirty="0">
                 <a:solidFill>
                   <a:schemeClr val="tx1"/>
                 </a:solidFill>
@@ -11534,7 +11562,7 @@
           <a:p>
             <a:pPr lvl="1"/>
             <a:r>
-              <a:rPr lang="en-US" dirty="0" err="1">
+              <a:rPr lang="en-US" sz="2000" dirty="0" err="1">
                 <a:solidFill>
                   <a:schemeClr val="tx1"/>
                 </a:solidFill>
@@ -11542,7 +11570,7 @@
               <a:t>dplyr</a:t>
             </a:r>
             <a:r>
-              <a:rPr lang="en-US" dirty="0">
+              <a:rPr lang="en-US" sz="2000" dirty="0">
                 <a:solidFill>
                   <a:schemeClr val="tx1"/>
                 </a:solidFill>
@@ -11553,7 +11581,7 @@
           <a:p>
             <a:pPr lvl="1"/>
             <a:r>
-              <a:rPr lang="en-US" dirty="0" err="1">
+              <a:rPr lang="en-US" sz="2000" dirty="0" err="1">
                 <a:solidFill>
                   <a:schemeClr val="tx1"/>
                 </a:solidFill>
@@ -11561,7 +11589,7 @@
               <a:t>magrittr</a:t>
             </a:r>
             <a:r>
-              <a:rPr lang="en-US" dirty="0">
+              <a:rPr lang="en-US" sz="2000" dirty="0">
                 <a:solidFill>
                   <a:schemeClr val="tx1"/>
                 </a:solidFill>
@@ -11572,7 +11600,7 @@
           <a:p>
             <a:pPr lvl="1"/>
             <a:r>
-              <a:rPr lang="en-US" dirty="0">
+              <a:rPr lang="en-US" sz="2000" dirty="0">
                 <a:solidFill>
                   <a:schemeClr val="tx1"/>
                 </a:solidFill>

--- a/SoccerSlideDeck.pptx
+++ b/SoccerSlideDeck.pptx
@@ -15,12 +15,14 @@
     <p:sldId id="263" r:id="rId9"/>
     <p:sldId id="264" r:id="rId10"/>
     <p:sldId id="265" r:id="rId11"/>
-    <p:sldId id="266" r:id="rId12"/>
-    <p:sldId id="267" r:id="rId13"/>
-    <p:sldId id="268" r:id="rId14"/>
-    <p:sldId id="269" r:id="rId15"/>
-    <p:sldId id="270" r:id="rId16"/>
-    <p:sldId id="271" r:id="rId17"/>
+    <p:sldId id="272" r:id="rId12"/>
+    <p:sldId id="266" r:id="rId13"/>
+    <p:sldId id="267" r:id="rId14"/>
+    <p:sldId id="268" r:id="rId15"/>
+    <p:sldId id="269" r:id="rId16"/>
+    <p:sldId id="273" r:id="rId17"/>
+    <p:sldId id="274" r:id="rId18"/>
+    <p:sldId id="271" r:id="rId19"/>
   </p:sldIdLst>
   <p:sldSz cx="12192000" cy="6858000"/>
   <p:notesSz cx="6858000" cy="9144000"/>
@@ -323,7 +325,7 @@
             <a:fld id="{B61BEF0D-F0BB-DE4B-95CE-6DB70DBA9567}" type="datetimeFigureOut">
               <a:rPr lang="en-US" dirty="0"/>
               <a:pPr/>
-              <a:t>7/4/2017</a:t>
+              <a:t>7/15/2017</a:t>
             </a:fld>
             <a:endParaRPr lang="en-US" dirty="0"/>
           </a:p>
@@ -756,7 +758,7 @@
             <a:fld id="{B61BEF0D-F0BB-DE4B-95CE-6DB70DBA9567}" type="datetimeFigureOut">
               <a:rPr lang="en-US" dirty="0"/>
               <a:pPr/>
-              <a:t>7/4/2017</a:t>
+              <a:t>7/15/2017</a:t>
             </a:fld>
             <a:endParaRPr lang="en-US" dirty="0"/>
           </a:p>
@@ -1003,7 +1005,7 @@
             <a:fld id="{B61BEF0D-F0BB-DE4B-95CE-6DB70DBA9567}" type="datetimeFigureOut">
               <a:rPr lang="en-US" dirty="0"/>
               <a:pPr/>
-              <a:t>7/4/2017</a:t>
+              <a:t>7/15/2017</a:t>
             </a:fld>
             <a:endParaRPr lang="en-US" dirty="0"/>
           </a:p>
@@ -1308,7 +1310,7 @@
             <a:fld id="{B61BEF0D-F0BB-DE4B-95CE-6DB70DBA9567}" type="datetimeFigureOut">
               <a:rPr lang="en-US" dirty="0"/>
               <a:pPr/>
-              <a:t>7/4/2017</a:t>
+              <a:t>7/15/2017</a:t>
             </a:fld>
             <a:endParaRPr lang="en-US" dirty="0"/>
           </a:p>
@@ -1623,7 +1625,7 @@
             <a:fld id="{B61BEF0D-F0BB-DE4B-95CE-6DB70DBA9567}" type="datetimeFigureOut">
               <a:rPr lang="en-US" dirty="0"/>
               <a:pPr/>
-              <a:t>7/4/2017</a:t>
+              <a:t>7/15/2017</a:t>
             </a:fld>
             <a:endParaRPr lang="en-US" dirty="0"/>
           </a:p>
@@ -1922,7 +1924,7 @@
             <a:fld id="{B61BEF0D-F0BB-DE4B-95CE-6DB70DBA9567}" type="datetimeFigureOut">
               <a:rPr lang="en-US" dirty="0"/>
               <a:pPr/>
-              <a:t>7/4/2017</a:t>
+              <a:t>7/15/2017</a:t>
             </a:fld>
             <a:endParaRPr lang="en-US" dirty="0"/>
           </a:p>
@@ -2286,7 +2288,7 @@
             <a:fld id="{B61BEF0D-F0BB-DE4B-95CE-6DB70DBA9567}" type="datetimeFigureOut">
               <a:rPr lang="en-US" dirty="0"/>
               <a:pPr/>
-              <a:t>7/4/2017</a:t>
+              <a:t>7/15/2017</a:t>
             </a:fld>
             <a:endParaRPr lang="en-US" dirty="0"/>
           </a:p>
@@ -2457,7 +2459,7 @@
             <a:fld id="{B61BEF0D-F0BB-DE4B-95CE-6DB70DBA9567}" type="datetimeFigureOut">
               <a:rPr lang="en-US" dirty="0"/>
               <a:pPr/>
-              <a:t>7/4/2017</a:t>
+              <a:t>7/15/2017</a:t>
             </a:fld>
             <a:endParaRPr lang="en-US" dirty="0"/>
           </a:p>
@@ -2634,7 +2636,7 @@
             <a:fld id="{B61BEF0D-F0BB-DE4B-95CE-6DB70DBA9567}" type="datetimeFigureOut">
               <a:rPr lang="en-US" dirty="0"/>
               <a:pPr/>
-              <a:t>7/4/2017</a:t>
+              <a:t>7/15/2017</a:t>
             </a:fld>
             <a:endParaRPr lang="en-US" dirty="0"/>
           </a:p>
@@ -2801,7 +2803,7 @@
             <a:fld id="{B61BEF0D-F0BB-DE4B-95CE-6DB70DBA9567}" type="datetimeFigureOut">
               <a:rPr lang="en-US" dirty="0"/>
               <a:pPr/>
-              <a:t>7/4/2017</a:t>
+              <a:t>7/15/2017</a:t>
             </a:fld>
             <a:endParaRPr lang="en-US" dirty="0"/>
           </a:p>
@@ -3048,7 +3050,7 @@
             <a:fld id="{B61BEF0D-F0BB-DE4B-95CE-6DB70DBA9567}" type="datetimeFigureOut">
               <a:rPr lang="en-US" dirty="0"/>
               <a:pPr/>
-              <a:t>7/4/2017</a:t>
+              <a:t>7/15/2017</a:t>
             </a:fld>
             <a:endParaRPr lang="en-US" dirty="0"/>
           </a:p>
@@ -3281,7 +3283,7 @@
             <a:fld id="{B61BEF0D-F0BB-DE4B-95CE-6DB70DBA9567}" type="datetimeFigureOut">
               <a:rPr lang="en-US" dirty="0"/>
               <a:pPr/>
-              <a:t>7/4/2017</a:t>
+              <a:t>7/15/2017</a:t>
             </a:fld>
             <a:endParaRPr lang="en-US" dirty="0"/>
           </a:p>
@@ -3660,7 +3662,7 @@
             <a:fld id="{B61BEF0D-F0BB-DE4B-95CE-6DB70DBA9567}" type="datetimeFigureOut">
               <a:rPr lang="en-US" dirty="0"/>
               <a:pPr/>
-              <a:t>7/4/2017</a:t>
+              <a:t>7/15/2017</a:t>
             </a:fld>
             <a:endParaRPr lang="en-US" dirty="0"/>
           </a:p>
@@ -3775,7 +3777,7 @@
             <a:fld id="{B61BEF0D-F0BB-DE4B-95CE-6DB70DBA9567}" type="datetimeFigureOut">
               <a:rPr lang="en-US" dirty="0"/>
               <a:pPr/>
-              <a:t>7/4/2017</a:t>
+              <a:t>7/15/2017</a:t>
             </a:fld>
             <a:endParaRPr lang="en-US" dirty="0"/>
           </a:p>
@@ -3867,7 +3869,7 @@
             <a:fld id="{B61BEF0D-F0BB-DE4B-95CE-6DB70DBA9567}" type="datetimeFigureOut">
               <a:rPr lang="en-US" dirty="0"/>
               <a:pPr/>
-              <a:t>7/4/2017</a:t>
+              <a:t>7/15/2017</a:t>
             </a:fld>
             <a:endParaRPr lang="en-US" dirty="0"/>
           </a:p>
@@ -4119,7 +4121,7 @@
             <a:fld id="{B61BEF0D-F0BB-DE4B-95CE-6DB70DBA9567}" type="datetimeFigureOut">
               <a:rPr lang="en-US" dirty="0"/>
               <a:pPr/>
-              <a:t>7/4/2017</a:t>
+              <a:t>7/15/2017</a:t>
             </a:fld>
             <a:endParaRPr lang="en-US" dirty="0"/>
           </a:p>
@@ -4399,7 +4401,7 @@
             <a:fld id="{B61BEF0D-F0BB-DE4B-95CE-6DB70DBA9567}" type="datetimeFigureOut">
               <a:rPr lang="en-US" dirty="0"/>
               <a:pPr/>
-              <a:t>7/4/2017</a:t>
+              <a:t>7/15/2017</a:t>
             </a:fld>
             <a:endParaRPr lang="en-US" dirty="0"/>
           </a:p>
@@ -4802,7 +4804,7 @@
             <a:fld id="{B61BEF0D-F0BB-DE4B-95CE-6DB70DBA9567}" type="datetimeFigureOut">
               <a:rPr lang="en-US" dirty="0"/>
               <a:pPr/>
-              <a:t>7/4/2017</a:t>
+              <a:t>7/15/2017</a:t>
             </a:fld>
             <a:endParaRPr lang="en-US" dirty="0"/>
           </a:p>
@@ -5400,7 +5402,7 @@
                   <a:schemeClr val="tx1"/>
                 </a:solidFill>
               </a:rPr>
-              <a:t>And Profiting From It</a:t>
+              <a:t>Predictive Models for Betting Houses</a:t>
             </a:r>
           </a:p>
           <a:p>
@@ -5442,49 +5444,6 @@
           <a:chExt cx="0" cy="0"/>
         </a:xfrm>
       </p:grpSpPr>
-      <p:pic>
-        <p:nvPicPr>
-          <p:cNvPr id="4" name="Content Placeholder 3" descr="C:\Users\flippinuke\AppData\Local\Microsoft\Windows\INetCache\Content.Word\multiPlot1.jpeg">
-            <a:extLst>
-              <a:ext uri="{FF2B5EF4-FFF2-40B4-BE49-F238E27FC236}">
-                <a16:creationId xmlns:a16="http://schemas.microsoft.com/office/drawing/2014/main" id="{10437E41-F3B5-44F6-97B0-60D2F8C3D57C}"/>
-              </a:ext>
-            </a:extLst>
-          </p:cNvPr>
-          <p:cNvPicPr>
-            <a:picLocks noGrp="1"/>
-          </p:cNvPicPr>
-          <p:nvPr>
-            <p:ph idx="1"/>
-          </p:nvPr>
-        </p:nvPicPr>
-        <p:blipFill>
-          <a:blip r:embed="rId2">
-            <a:extLst>
-              <a:ext uri="{28A0092B-C50C-407E-A947-70E740481C1C}">
-                <a14:useLocalDpi xmlns:a14="http://schemas.microsoft.com/office/drawing/2010/main" val="0"/>
-              </a:ext>
-            </a:extLst>
-          </a:blip>
-          <a:srcRect/>
-          <a:stretch>
-            <a:fillRect/>
-          </a:stretch>
-        </p:blipFill>
-        <p:spPr bwMode="auto">
-          <a:xfrm>
-            <a:off x="440517" y="208722"/>
-            <a:ext cx="9511865" cy="4959626"/>
-          </a:xfrm>
-          <a:prstGeom prst="rect">
-            <a:avLst/>
-          </a:prstGeom>
-          <a:noFill/>
-          <a:ln>
-            <a:noFill/>
-          </a:ln>
-        </p:spPr>
-      </p:pic>
       <p:sp>
         <p:nvSpPr>
           <p:cNvPr id="7" name="Title 1">
@@ -5598,6 +5557,35 @@
           </a:p>
         </p:txBody>
       </p:sp>
+      <p:pic>
+        <p:nvPicPr>
+          <p:cNvPr id="6" name="Content Placeholder 5">
+            <a:extLst>
+              <a:ext uri="{FF2B5EF4-FFF2-40B4-BE49-F238E27FC236}">
+                <a16:creationId xmlns:a16="http://schemas.microsoft.com/office/drawing/2014/main" id="{39E9279F-6428-4F92-B469-898AFDED9DC2}"/>
+              </a:ext>
+            </a:extLst>
+          </p:cNvPr>
+          <p:cNvPicPr>
+            <a:picLocks noGrp="1" noChangeAspect="1"/>
+          </p:cNvPicPr>
+          <p:nvPr>
+            <p:ph idx="1"/>
+          </p:nvPr>
+        </p:nvPicPr>
+        <p:blipFill>
+          <a:blip r:embed="rId2"/>
+          <a:stretch>
+            <a:fillRect/>
+          </a:stretch>
+        </p:blipFill>
+        <p:spPr>
+          <a:xfrm>
+            <a:off x="436098" y="88975"/>
+            <a:ext cx="10110478" cy="5383357"/>
+          </a:xfrm>
+        </p:spPr>
+      </p:pic>
     </p:spTree>
     <p:extLst>
       <p:ext uri="{BB962C8B-B14F-4D97-AF65-F5344CB8AC3E}">
@@ -5612,6 +5600,530 @@
 </file>
 
 <file path=ppt/slides/slide11.xml><?xml version="1.0" encoding="utf-8"?>
+<p:sld xmlns:a="http://schemas.openxmlformats.org/drawingml/2006/main" xmlns:r="http://schemas.openxmlformats.org/officeDocument/2006/relationships" xmlns:p="http://schemas.openxmlformats.org/presentationml/2006/main">
+  <p:cSld>
+    <p:spTree>
+      <p:nvGrpSpPr>
+        <p:cNvPr id="1" name=""/>
+        <p:cNvGrpSpPr/>
+        <p:nvPr/>
+      </p:nvGrpSpPr>
+      <p:grpSpPr>
+        <a:xfrm>
+          <a:off x="0" y="0"/>
+          <a:ext cx="0" cy="0"/>
+          <a:chOff x="0" y="0"/>
+          <a:chExt cx="0" cy="0"/>
+        </a:xfrm>
+      </p:grpSpPr>
+      <p:sp>
+        <p:nvSpPr>
+          <p:cNvPr id="7" name="Title 1">
+            <a:extLst>
+              <a:ext uri="{FF2B5EF4-FFF2-40B4-BE49-F238E27FC236}">
+                <a16:creationId xmlns:a16="http://schemas.microsoft.com/office/drawing/2014/main" id="{5A0212C4-CD00-4628-A64A-CE76077C1CBA}"/>
+              </a:ext>
+            </a:extLst>
+          </p:cNvPr>
+          <p:cNvSpPr txBox="1">
+            <a:spLocks/>
+          </p:cNvSpPr>
+          <p:nvPr/>
+        </p:nvSpPr>
+        <p:spPr>
+          <a:xfrm>
+            <a:off x="638142" y="5350933"/>
+            <a:ext cx="8534400" cy="1507067"/>
+          </a:xfrm>
+          <a:prstGeom prst="rect">
+            <a:avLst/>
+          </a:prstGeom>
+          <a:effectLst/>
+        </p:spPr>
+        <p:txBody>
+          <a:bodyPr vert="horz" lIns="91440" tIns="45720" rIns="91440" bIns="45720" rtlCol="0" anchor="ctr">
+            <a:normAutofit/>
+          </a:bodyPr>
+          <a:lstStyle>
+            <a:lvl1pPr algn="l" defTabSz="457200" rtl="0" eaLnBrk="1" latinLnBrk="0" hangingPunct="1">
+              <a:spcBef>
+                <a:spcPct val="0"/>
+              </a:spcBef>
+              <a:buNone/>
+              <a:defRPr sz="3600" kern="1200" cap="all">
+                <a:ln w="3175" cmpd="sng">
+                  <a:noFill/>
+                </a:ln>
+                <a:solidFill>
+                  <a:schemeClr val="tx1"/>
+                </a:solidFill>
+                <a:effectLst/>
+                <a:latin typeface="+mj-lt"/>
+                <a:ea typeface="+mj-ea"/>
+                <a:cs typeface="+mj-cs"/>
+              </a:defRPr>
+            </a:lvl1pPr>
+            <a:lvl2pPr eaLnBrk="1" hangingPunct="1">
+              <a:defRPr>
+                <a:solidFill>
+                  <a:schemeClr val="tx2"/>
+                </a:solidFill>
+              </a:defRPr>
+            </a:lvl2pPr>
+            <a:lvl3pPr eaLnBrk="1" hangingPunct="1">
+              <a:defRPr>
+                <a:solidFill>
+                  <a:schemeClr val="tx2"/>
+                </a:solidFill>
+              </a:defRPr>
+            </a:lvl3pPr>
+            <a:lvl4pPr eaLnBrk="1" hangingPunct="1">
+              <a:defRPr>
+                <a:solidFill>
+                  <a:schemeClr val="tx2"/>
+                </a:solidFill>
+              </a:defRPr>
+            </a:lvl4pPr>
+            <a:lvl5pPr eaLnBrk="1" hangingPunct="1">
+              <a:defRPr>
+                <a:solidFill>
+                  <a:schemeClr val="tx2"/>
+                </a:solidFill>
+              </a:defRPr>
+            </a:lvl5pPr>
+            <a:lvl6pPr eaLnBrk="1" hangingPunct="1">
+              <a:defRPr>
+                <a:solidFill>
+                  <a:schemeClr val="tx2"/>
+                </a:solidFill>
+              </a:defRPr>
+            </a:lvl6pPr>
+            <a:lvl7pPr eaLnBrk="1" hangingPunct="1">
+              <a:defRPr>
+                <a:solidFill>
+                  <a:schemeClr val="tx2"/>
+                </a:solidFill>
+              </a:defRPr>
+            </a:lvl7pPr>
+            <a:lvl8pPr eaLnBrk="1" hangingPunct="1">
+              <a:defRPr>
+                <a:solidFill>
+                  <a:schemeClr val="tx2"/>
+                </a:solidFill>
+              </a:defRPr>
+            </a:lvl8pPr>
+            <a:lvl9pPr eaLnBrk="1" hangingPunct="1">
+              <a:defRPr>
+                <a:solidFill>
+                  <a:schemeClr val="tx2"/>
+                </a:solidFill>
+              </a:defRPr>
+            </a:lvl9pPr>
+          </a:lstStyle>
+          <a:p>
+            <a:r>
+              <a:rPr lang="en-US"/>
+              <a:t>Viewing independent variables</a:t>
+            </a:r>
+            <a:endParaRPr lang="en-US" dirty="0"/>
+          </a:p>
+        </p:txBody>
+      </p:sp>
+      <p:pic>
+        <p:nvPicPr>
+          <p:cNvPr id="6" name="Content Placeholder 5">
+            <a:extLst>
+              <a:ext uri="{FF2B5EF4-FFF2-40B4-BE49-F238E27FC236}">
+                <a16:creationId xmlns:a16="http://schemas.microsoft.com/office/drawing/2014/main" id="{39E9279F-6428-4F92-B469-898AFDED9DC2}"/>
+              </a:ext>
+            </a:extLst>
+          </p:cNvPr>
+          <p:cNvPicPr>
+            <a:picLocks noGrp="1" noChangeAspect="1"/>
+          </p:cNvPicPr>
+          <p:nvPr>
+            <p:ph idx="1"/>
+          </p:nvPr>
+        </p:nvPicPr>
+        <p:blipFill>
+          <a:blip r:embed="rId2"/>
+          <a:stretch>
+            <a:fillRect/>
+          </a:stretch>
+        </p:blipFill>
+        <p:spPr>
+          <a:xfrm>
+            <a:off x="436098" y="88975"/>
+            <a:ext cx="10110478" cy="5383357"/>
+          </a:xfrm>
+        </p:spPr>
+      </p:pic>
+      <p:cxnSp>
+        <p:nvCxnSpPr>
+          <p:cNvPr id="3" name="Straight Connector 2">
+            <a:extLst>
+              <a:ext uri="{FF2B5EF4-FFF2-40B4-BE49-F238E27FC236}">
+                <a16:creationId xmlns:a16="http://schemas.microsoft.com/office/drawing/2014/main" id="{AD710B0E-9CF0-496A-8DE4-91E47BFB432C}"/>
+              </a:ext>
+            </a:extLst>
+          </p:cNvPr>
+          <p:cNvCxnSpPr/>
+          <p:nvPr/>
+        </p:nvCxnSpPr>
+        <p:spPr>
+          <a:xfrm>
+            <a:off x="1631852" y="534572"/>
+            <a:ext cx="0" cy="1617785"/>
+          </a:xfrm>
+          <a:prstGeom prst="line">
+            <a:avLst/>
+          </a:prstGeom>
+          <a:ln w="44450">
+            <a:solidFill>
+              <a:schemeClr val="accent6">
+                <a:lumMod val="60000"/>
+                <a:lumOff val="40000"/>
+              </a:schemeClr>
+            </a:solidFill>
+          </a:ln>
+        </p:spPr>
+        <p:style>
+          <a:lnRef idx="3">
+            <a:schemeClr val="accent6"/>
+          </a:lnRef>
+          <a:fillRef idx="0">
+            <a:schemeClr val="accent6"/>
+          </a:fillRef>
+          <a:effectRef idx="2">
+            <a:schemeClr val="accent6"/>
+          </a:effectRef>
+          <a:fontRef idx="minor">
+            <a:schemeClr val="tx1"/>
+          </a:fontRef>
+        </p:style>
+      </p:cxnSp>
+      <p:cxnSp>
+        <p:nvCxnSpPr>
+          <p:cNvPr id="9" name="Straight Connector 8">
+            <a:extLst>
+              <a:ext uri="{FF2B5EF4-FFF2-40B4-BE49-F238E27FC236}">
+                <a16:creationId xmlns:a16="http://schemas.microsoft.com/office/drawing/2014/main" id="{89DFE5B8-D68A-4860-8CB6-1F7219AB324B}"/>
+              </a:ext>
+            </a:extLst>
+          </p:cNvPr>
+          <p:cNvCxnSpPr/>
+          <p:nvPr/>
+        </p:nvCxnSpPr>
+        <p:spPr>
+          <a:xfrm>
+            <a:off x="9156129" y="3240259"/>
+            <a:ext cx="0" cy="1617785"/>
+          </a:xfrm>
+          <a:prstGeom prst="line">
+            <a:avLst/>
+          </a:prstGeom>
+          <a:ln w="44450">
+            <a:solidFill>
+              <a:schemeClr val="accent6">
+                <a:lumMod val="60000"/>
+                <a:lumOff val="40000"/>
+              </a:schemeClr>
+            </a:solidFill>
+          </a:ln>
+        </p:spPr>
+        <p:style>
+          <a:lnRef idx="3">
+            <a:schemeClr val="accent6"/>
+          </a:lnRef>
+          <a:fillRef idx="0">
+            <a:schemeClr val="accent6"/>
+          </a:fillRef>
+          <a:effectRef idx="2">
+            <a:schemeClr val="accent6"/>
+          </a:effectRef>
+          <a:fontRef idx="minor">
+            <a:schemeClr val="tx1"/>
+          </a:fontRef>
+        </p:style>
+      </p:cxnSp>
+      <p:cxnSp>
+        <p:nvCxnSpPr>
+          <p:cNvPr id="10" name="Straight Connector 9">
+            <a:extLst>
+              <a:ext uri="{FF2B5EF4-FFF2-40B4-BE49-F238E27FC236}">
+                <a16:creationId xmlns:a16="http://schemas.microsoft.com/office/drawing/2014/main" id="{4507273A-F1A2-42AC-9A97-5C9D265A8F06}"/>
+              </a:ext>
+            </a:extLst>
+          </p:cNvPr>
+          <p:cNvCxnSpPr/>
+          <p:nvPr/>
+        </p:nvCxnSpPr>
+        <p:spPr>
+          <a:xfrm>
+            <a:off x="6677463" y="3240259"/>
+            <a:ext cx="0" cy="1617785"/>
+          </a:xfrm>
+          <a:prstGeom prst="line">
+            <a:avLst/>
+          </a:prstGeom>
+          <a:ln w="44450">
+            <a:solidFill>
+              <a:schemeClr val="accent6">
+                <a:lumMod val="60000"/>
+                <a:lumOff val="40000"/>
+              </a:schemeClr>
+            </a:solidFill>
+          </a:ln>
+        </p:spPr>
+        <p:style>
+          <a:lnRef idx="3">
+            <a:schemeClr val="accent6"/>
+          </a:lnRef>
+          <a:fillRef idx="0">
+            <a:schemeClr val="accent6"/>
+          </a:fillRef>
+          <a:effectRef idx="2">
+            <a:schemeClr val="accent6"/>
+          </a:effectRef>
+          <a:fontRef idx="minor">
+            <a:schemeClr val="tx1"/>
+          </a:fontRef>
+        </p:style>
+      </p:cxnSp>
+      <p:cxnSp>
+        <p:nvCxnSpPr>
+          <p:cNvPr id="11" name="Straight Connector 10">
+            <a:extLst>
+              <a:ext uri="{FF2B5EF4-FFF2-40B4-BE49-F238E27FC236}">
+                <a16:creationId xmlns:a16="http://schemas.microsoft.com/office/drawing/2014/main" id="{A8862493-71F4-48C6-B45A-EE96140B48FA}"/>
+              </a:ext>
+            </a:extLst>
+          </p:cNvPr>
+          <p:cNvCxnSpPr/>
+          <p:nvPr/>
+        </p:nvCxnSpPr>
+        <p:spPr>
+          <a:xfrm>
+            <a:off x="4044461" y="3240259"/>
+            <a:ext cx="0" cy="1617785"/>
+          </a:xfrm>
+          <a:prstGeom prst="line">
+            <a:avLst/>
+          </a:prstGeom>
+          <a:ln w="44450">
+            <a:solidFill>
+              <a:schemeClr val="accent6">
+                <a:lumMod val="60000"/>
+                <a:lumOff val="40000"/>
+              </a:schemeClr>
+            </a:solidFill>
+          </a:ln>
+        </p:spPr>
+        <p:style>
+          <a:lnRef idx="3">
+            <a:schemeClr val="accent6"/>
+          </a:lnRef>
+          <a:fillRef idx="0">
+            <a:schemeClr val="accent6"/>
+          </a:fillRef>
+          <a:effectRef idx="2">
+            <a:schemeClr val="accent6"/>
+          </a:effectRef>
+          <a:fontRef idx="minor">
+            <a:schemeClr val="tx1"/>
+          </a:fontRef>
+        </p:style>
+      </p:cxnSp>
+      <p:cxnSp>
+        <p:nvCxnSpPr>
+          <p:cNvPr id="12" name="Straight Connector 11">
+            <a:extLst>
+              <a:ext uri="{FF2B5EF4-FFF2-40B4-BE49-F238E27FC236}">
+                <a16:creationId xmlns:a16="http://schemas.microsoft.com/office/drawing/2014/main" id="{734F130E-3BBC-41D5-8188-19C8FEA8A641}"/>
+              </a:ext>
+            </a:extLst>
+          </p:cNvPr>
+          <p:cNvCxnSpPr/>
+          <p:nvPr/>
+        </p:nvCxnSpPr>
+        <p:spPr>
+          <a:xfrm>
+            <a:off x="1594338" y="3240259"/>
+            <a:ext cx="0" cy="1617785"/>
+          </a:xfrm>
+          <a:prstGeom prst="line">
+            <a:avLst/>
+          </a:prstGeom>
+          <a:ln w="44450">
+            <a:solidFill>
+              <a:schemeClr val="accent6">
+                <a:lumMod val="60000"/>
+                <a:lumOff val="40000"/>
+              </a:schemeClr>
+            </a:solidFill>
+          </a:ln>
+        </p:spPr>
+        <p:style>
+          <a:lnRef idx="3">
+            <a:schemeClr val="accent6"/>
+          </a:lnRef>
+          <a:fillRef idx="0">
+            <a:schemeClr val="accent6"/>
+          </a:fillRef>
+          <a:effectRef idx="2">
+            <a:schemeClr val="accent6"/>
+          </a:effectRef>
+          <a:fontRef idx="minor">
+            <a:schemeClr val="tx1"/>
+          </a:fontRef>
+        </p:style>
+      </p:cxnSp>
+      <p:cxnSp>
+        <p:nvCxnSpPr>
+          <p:cNvPr id="13" name="Straight Connector 12">
+            <a:extLst>
+              <a:ext uri="{FF2B5EF4-FFF2-40B4-BE49-F238E27FC236}">
+                <a16:creationId xmlns:a16="http://schemas.microsoft.com/office/drawing/2014/main" id="{E3CD28B5-86F0-4C6E-8E01-A39171277466}"/>
+              </a:ext>
+            </a:extLst>
+          </p:cNvPr>
+          <p:cNvCxnSpPr/>
+          <p:nvPr/>
+        </p:nvCxnSpPr>
+        <p:spPr>
+          <a:xfrm>
+            <a:off x="9174886" y="534572"/>
+            <a:ext cx="0" cy="1617785"/>
+          </a:xfrm>
+          <a:prstGeom prst="line">
+            <a:avLst/>
+          </a:prstGeom>
+          <a:ln w="44450">
+            <a:solidFill>
+              <a:schemeClr val="accent6">
+                <a:lumMod val="60000"/>
+                <a:lumOff val="40000"/>
+              </a:schemeClr>
+            </a:solidFill>
+          </a:ln>
+        </p:spPr>
+        <p:style>
+          <a:lnRef idx="3">
+            <a:schemeClr val="accent6"/>
+          </a:lnRef>
+          <a:fillRef idx="0">
+            <a:schemeClr val="accent6"/>
+          </a:fillRef>
+          <a:effectRef idx="2">
+            <a:schemeClr val="accent6"/>
+          </a:effectRef>
+          <a:fontRef idx="minor">
+            <a:schemeClr val="tx1"/>
+          </a:fontRef>
+        </p:style>
+      </p:cxnSp>
+      <p:cxnSp>
+        <p:nvCxnSpPr>
+          <p:cNvPr id="14" name="Straight Connector 13">
+            <a:extLst>
+              <a:ext uri="{FF2B5EF4-FFF2-40B4-BE49-F238E27FC236}">
+                <a16:creationId xmlns:a16="http://schemas.microsoft.com/office/drawing/2014/main" id="{71680C93-6F58-47F0-916B-470EBCDF0A81}"/>
+              </a:ext>
+            </a:extLst>
+          </p:cNvPr>
+          <p:cNvCxnSpPr/>
+          <p:nvPr/>
+        </p:nvCxnSpPr>
+        <p:spPr>
+          <a:xfrm>
+            <a:off x="6682153" y="534572"/>
+            <a:ext cx="0" cy="1617785"/>
+          </a:xfrm>
+          <a:prstGeom prst="line">
+            <a:avLst/>
+          </a:prstGeom>
+          <a:ln w="44450">
+            <a:solidFill>
+              <a:schemeClr val="accent6">
+                <a:lumMod val="60000"/>
+                <a:lumOff val="40000"/>
+              </a:schemeClr>
+            </a:solidFill>
+          </a:ln>
+        </p:spPr>
+        <p:style>
+          <a:lnRef idx="3">
+            <a:schemeClr val="accent6"/>
+          </a:lnRef>
+          <a:fillRef idx="0">
+            <a:schemeClr val="accent6"/>
+          </a:fillRef>
+          <a:effectRef idx="2">
+            <a:schemeClr val="accent6"/>
+          </a:effectRef>
+          <a:fontRef idx="minor">
+            <a:schemeClr val="tx1"/>
+          </a:fontRef>
+        </p:style>
+      </p:cxnSp>
+      <p:cxnSp>
+        <p:nvCxnSpPr>
+          <p:cNvPr id="15" name="Straight Connector 14">
+            <a:extLst>
+              <a:ext uri="{FF2B5EF4-FFF2-40B4-BE49-F238E27FC236}">
+                <a16:creationId xmlns:a16="http://schemas.microsoft.com/office/drawing/2014/main" id="{EEA7A852-950F-4637-82C2-98AA0EB8BC97}"/>
+              </a:ext>
+            </a:extLst>
+          </p:cNvPr>
+          <p:cNvCxnSpPr/>
+          <p:nvPr/>
+        </p:nvCxnSpPr>
+        <p:spPr>
+          <a:xfrm>
+            <a:off x="4147624" y="534572"/>
+            <a:ext cx="0" cy="1617785"/>
+          </a:xfrm>
+          <a:prstGeom prst="line">
+            <a:avLst/>
+          </a:prstGeom>
+          <a:ln w="44450">
+            <a:solidFill>
+              <a:schemeClr val="accent6">
+                <a:lumMod val="60000"/>
+                <a:lumOff val="40000"/>
+              </a:schemeClr>
+            </a:solidFill>
+          </a:ln>
+        </p:spPr>
+        <p:style>
+          <a:lnRef idx="3">
+            <a:schemeClr val="accent6"/>
+          </a:lnRef>
+          <a:fillRef idx="0">
+            <a:schemeClr val="accent6"/>
+          </a:fillRef>
+          <a:effectRef idx="2">
+            <a:schemeClr val="accent6"/>
+          </a:effectRef>
+          <a:fontRef idx="minor">
+            <a:schemeClr val="tx1"/>
+          </a:fontRef>
+        </p:style>
+      </p:cxnSp>
+    </p:spTree>
+    <p:extLst>
+      <p:ext uri="{BB962C8B-B14F-4D97-AF65-F5344CB8AC3E}">
+        <p14:creationId xmlns:p14="http://schemas.microsoft.com/office/powerpoint/2010/main" val="1275156299"/>
+      </p:ext>
+    </p:extLst>
+  </p:cSld>
+  <p:clrMapOvr>
+    <a:masterClrMapping/>
+  </p:clrMapOvr>
+</p:sld>
+</file>
+
+<file path=ppt/slides/slide12.xml><?xml version="1.0" encoding="utf-8"?>
 <p:sld xmlns:a="http://schemas.openxmlformats.org/drawingml/2006/main" xmlns:r="http://schemas.openxmlformats.org/officeDocument/2006/relationships" xmlns:p="http://schemas.openxmlformats.org/presentationml/2006/main">
   <p:cSld>
     <p:spTree>
@@ -5895,7 +6407,7 @@
 </p:sld>
 </file>
 
-<file path=ppt/slides/slide12.xml><?xml version="1.0" encoding="utf-8"?>
+<file path=ppt/slides/slide13.xml><?xml version="1.0" encoding="utf-8"?>
 <p:sld xmlns:a="http://schemas.openxmlformats.org/drawingml/2006/main" xmlns:r="http://schemas.openxmlformats.org/officeDocument/2006/relationships" xmlns:p="http://schemas.openxmlformats.org/presentationml/2006/main">
   <p:cSld>
     <p:spTree>
@@ -5981,45 +6493,31 @@
       </p:sp>
       <p:pic>
         <p:nvPicPr>
-          <p:cNvPr id="5" name="Content Placeholder 4" descr="C:\Users\flippinuke\AppData\Local\Microsoft\Windows\INetCache\Content.Word\facet2trendlines.jpeg">
+          <p:cNvPr id="8" name="Content Placeholder 7" descr="A close up of a map&#10;&#10;Description generated with high confidence">
             <a:extLst>
               <a:ext uri="{FF2B5EF4-FFF2-40B4-BE49-F238E27FC236}">
-                <a16:creationId xmlns:a16="http://schemas.microsoft.com/office/drawing/2014/main" id="{07E092D9-34D0-48E7-B3D0-5FAD24DAC616}"/>
+                <a16:creationId xmlns:a16="http://schemas.microsoft.com/office/drawing/2014/main" id="{5F11D28C-C2CD-4B37-98D3-26EC3A643138}"/>
               </a:ext>
             </a:extLst>
           </p:cNvPr>
           <p:cNvPicPr>
-            <a:picLocks noGrp="1"/>
+            <a:picLocks noGrp="1" noChangeAspect="1"/>
           </p:cNvPicPr>
           <p:nvPr>
             <p:ph idx="1"/>
           </p:nvPr>
         </p:nvPicPr>
         <p:blipFill>
-          <a:blip r:embed="rId2">
-            <a:extLst>
-              <a:ext uri="{28A0092B-C50C-407E-A947-70E740481C1C}">
-                <a14:useLocalDpi xmlns:a14="http://schemas.microsoft.com/office/drawing/2010/main" val="0"/>
-              </a:ext>
-            </a:extLst>
-          </a:blip>
-          <a:srcRect/>
+          <a:blip r:embed="rId2"/>
           <a:stretch>
             <a:fillRect/>
           </a:stretch>
         </p:blipFill>
-        <p:spPr bwMode="auto">
+        <p:spPr>
           <a:xfrm>
-            <a:off x="684212" y="327111"/>
-            <a:ext cx="9268171" cy="4708716"/>
+            <a:off x="229463" y="165295"/>
+            <a:ext cx="10321305" cy="5354320"/>
           </a:xfrm>
-          <a:prstGeom prst="rect">
-            <a:avLst/>
-          </a:prstGeom>
-          <a:noFill/>
-          <a:ln>
-            <a:noFill/>
-          </a:ln>
         </p:spPr>
       </p:pic>
     </p:spTree>
@@ -6035,7 +6533,7 @@
 </p:sld>
 </file>
 
-<file path=ppt/slides/slide13.xml><?xml version="1.0" encoding="utf-8"?>
+<file path=ppt/slides/slide14.xml><?xml version="1.0" encoding="utf-8"?>
 <p:sld xmlns:a="http://schemas.openxmlformats.org/drawingml/2006/main" xmlns:r="http://schemas.openxmlformats.org/officeDocument/2006/relationships" xmlns:p="http://schemas.openxmlformats.org/presentationml/2006/main">
   <p:cSld>
     <p:spTree>
@@ -6789,7 +7287,7 @@
 </p:sld>
 </file>
 
-<file path=ppt/slides/slide14.xml><?xml version="1.0" encoding="utf-8"?>
+<file path=ppt/slides/slide15.xml><?xml version="1.0" encoding="utf-8"?>
 <p:sld xmlns:a="http://schemas.openxmlformats.org/drawingml/2006/main" xmlns:r="http://schemas.openxmlformats.org/officeDocument/2006/relationships" xmlns:p="http://schemas.openxmlformats.org/presentationml/2006/main">
   <p:cSld>
     <p:spTree>
@@ -6867,7 +7365,1380 @@
             <p:ph idx="1"/>
             <p:extLst>
               <p:ext uri="{D42A27DB-BD31-4B8C-83A1-F6EECF244321}">
-                <p14:modId xmlns:p14="http://schemas.microsoft.com/office/powerpoint/2010/main" val="1226067201"/>
+                <p14:modId xmlns:p14="http://schemas.microsoft.com/office/powerpoint/2010/main" val="3323539393"/>
+              </p:ext>
+            </p:extLst>
+          </p:nvPr>
+        </p:nvGraphicFramePr>
+        <p:xfrm>
+          <a:off x="225264" y="229263"/>
+          <a:ext cx="8288730" cy="5486400"/>
+        </p:xfrm>
+        <a:graphic>
+          <a:graphicData uri="http://schemas.openxmlformats.org/drawingml/2006/table">
+            <a:tbl>
+              <a:tblPr firstRow="1" bandRow="1">
+                <a:tableStyleId>{5C22544A-7EE6-4342-B048-85BDC9FD1C3A}</a:tableStyleId>
+              </a:tblPr>
+              <a:tblGrid>
+                <a:gridCol w="1992156">
+                  <a:extLst>
+                    <a:ext uri="{9D8B030D-6E8A-4147-A177-3AD203B41FA5}">
+                      <a16:colId xmlns:a16="http://schemas.microsoft.com/office/drawing/2014/main" val="2745709990"/>
+                    </a:ext>
+                  </a:extLst>
+                </a:gridCol>
+                <a:gridCol w="1485900">
+                  <a:extLst>
+                    <a:ext uri="{9D8B030D-6E8A-4147-A177-3AD203B41FA5}">
+                      <a16:colId xmlns:a16="http://schemas.microsoft.com/office/drawing/2014/main" val="2147414911"/>
+                    </a:ext>
+                  </a:extLst>
+                </a:gridCol>
+                <a:gridCol w="1645920">
+                  <a:extLst>
+                    <a:ext uri="{9D8B030D-6E8A-4147-A177-3AD203B41FA5}">
+                      <a16:colId xmlns:a16="http://schemas.microsoft.com/office/drawing/2014/main" val="2500276119"/>
+                    </a:ext>
+                  </a:extLst>
+                </a:gridCol>
+                <a:gridCol w="1691640">
+                  <a:extLst>
+                    <a:ext uri="{9D8B030D-6E8A-4147-A177-3AD203B41FA5}">
+                      <a16:colId xmlns:a16="http://schemas.microsoft.com/office/drawing/2014/main" val="1535240169"/>
+                    </a:ext>
+                  </a:extLst>
+                </a:gridCol>
+                <a:gridCol w="1473114">
+                  <a:extLst>
+                    <a:ext uri="{9D8B030D-6E8A-4147-A177-3AD203B41FA5}">
+                      <a16:colId xmlns:a16="http://schemas.microsoft.com/office/drawing/2014/main" val="1523289973"/>
+                    </a:ext>
+                  </a:extLst>
+                </a:gridCol>
+              </a:tblGrid>
+              <a:tr h="346323">
+                <a:tc>
+                  <a:txBody>
+                    <a:bodyPr/>
+                    <a:lstStyle/>
+                    <a:p>
+                      <a:endParaRPr lang="en-US" dirty="0"/>
+                    </a:p>
+                  </a:txBody>
+                  <a:tcPr/>
+                </a:tc>
+                <a:tc>
+                  <a:txBody>
+                    <a:bodyPr/>
+                    <a:lstStyle/>
+                    <a:p>
+                      <a:r>
+                        <a:rPr lang="en-US" dirty="0"/>
+                        <a:t>Model 1/2</a:t>
+                      </a:r>
+                    </a:p>
+                  </a:txBody>
+                  <a:tcPr/>
+                </a:tc>
+                <a:tc>
+                  <a:txBody>
+                    <a:bodyPr/>
+                    <a:lstStyle/>
+                    <a:p>
+                      <a:r>
+                        <a:rPr lang="en-US" dirty="0"/>
+                        <a:t>Model 3/4</a:t>
+                      </a:r>
+                    </a:p>
+                  </a:txBody>
+                  <a:tcPr/>
+                </a:tc>
+                <a:tc>
+                  <a:txBody>
+                    <a:bodyPr/>
+                    <a:lstStyle/>
+                    <a:p>
+                      <a:r>
+                        <a:rPr lang="en-US" dirty="0"/>
+                        <a:t>Model 5/6</a:t>
+                      </a:r>
+                    </a:p>
+                  </a:txBody>
+                  <a:tcPr/>
+                </a:tc>
+                <a:tc>
+                  <a:txBody>
+                    <a:bodyPr/>
+                    <a:lstStyle/>
+                    <a:p>
+                      <a:r>
+                        <a:rPr lang="en-US" dirty="0"/>
+                        <a:t>Model 7/8</a:t>
+                      </a:r>
+                    </a:p>
+                  </a:txBody>
+                  <a:tcPr/>
+                </a:tc>
+                <a:extLst>
+                  <a:ext uri="{0D108BD9-81ED-4DB2-BD59-A6C34878D82A}">
+                    <a16:rowId xmlns:a16="http://schemas.microsoft.com/office/drawing/2014/main" val="1366142768"/>
+                  </a:ext>
+                </a:extLst>
+              </a:tr>
+              <a:tr h="346323">
+                <a:tc>
+                  <a:txBody>
+                    <a:bodyPr/>
+                    <a:lstStyle/>
+                    <a:p>
+                      <a:r>
+                        <a:rPr lang="en-US" dirty="0" err="1"/>
+                        <a:t>shotson</a:t>
+                      </a:r>
+                      <a:endParaRPr lang="en-US" dirty="0"/>
+                    </a:p>
+                  </a:txBody>
+                  <a:tcPr/>
+                </a:tc>
+                <a:tc>
+                  <a:txBody>
+                    <a:bodyPr/>
+                    <a:lstStyle/>
+                    <a:p>
+                      <a:pPr algn="ctr"/>
+                      <a:r>
+                        <a:rPr lang="en-US" b="1" dirty="0"/>
+                        <a:t>Y</a:t>
+                      </a:r>
+                    </a:p>
+                  </a:txBody>
+                  <a:tcPr/>
+                </a:tc>
+                <a:tc>
+                  <a:txBody>
+                    <a:bodyPr/>
+                    <a:lstStyle/>
+                    <a:p>
+                      <a:pPr algn="ctr"/>
+                      <a:endParaRPr lang="en-US" dirty="0"/>
+                    </a:p>
+                  </a:txBody>
+                  <a:tcPr/>
+                </a:tc>
+                <a:tc>
+                  <a:txBody>
+                    <a:bodyPr/>
+                    <a:lstStyle/>
+                    <a:p>
+                      <a:pPr algn="ctr"/>
+                      <a:r>
+                        <a:rPr lang="en-US" b="1" dirty="0"/>
+                        <a:t>Y</a:t>
+                      </a:r>
+                      <a:endParaRPr lang="en-US" dirty="0"/>
+                    </a:p>
+                  </a:txBody>
+                  <a:tcPr/>
+                </a:tc>
+                <a:tc>
+                  <a:txBody>
+                    <a:bodyPr/>
+                    <a:lstStyle/>
+                    <a:p>
+                      <a:pPr algn="ctr"/>
+                      <a:endParaRPr lang="en-US" dirty="0"/>
+                    </a:p>
+                  </a:txBody>
+                  <a:tcPr/>
+                </a:tc>
+                <a:extLst>
+                  <a:ext uri="{0D108BD9-81ED-4DB2-BD59-A6C34878D82A}">
+                    <a16:rowId xmlns:a16="http://schemas.microsoft.com/office/drawing/2014/main" val="389454085"/>
+                  </a:ext>
+                </a:extLst>
+              </a:tr>
+              <a:tr h="346323">
+                <a:tc>
+                  <a:txBody>
+                    <a:bodyPr/>
+                    <a:lstStyle/>
+                    <a:p>
+                      <a:r>
+                        <a:rPr lang="en-US" dirty="0" err="1"/>
+                        <a:t>shotsoff</a:t>
+                      </a:r>
+                      <a:endParaRPr lang="en-US" dirty="0"/>
+                    </a:p>
+                  </a:txBody>
+                  <a:tcPr/>
+                </a:tc>
+                <a:tc>
+                  <a:txBody>
+                    <a:bodyPr/>
+                    <a:lstStyle/>
+                    <a:p>
+                      <a:pPr algn="ctr"/>
+                      <a:r>
+                        <a:rPr lang="en-US" b="1" dirty="0"/>
+                        <a:t>Y</a:t>
+                      </a:r>
+                      <a:endParaRPr lang="en-US" dirty="0"/>
+                    </a:p>
+                  </a:txBody>
+                  <a:tcPr/>
+                </a:tc>
+                <a:tc>
+                  <a:txBody>
+                    <a:bodyPr/>
+                    <a:lstStyle/>
+                    <a:p>
+                      <a:pPr algn="ctr"/>
+                      <a:endParaRPr lang="en-US" dirty="0"/>
+                    </a:p>
+                  </a:txBody>
+                  <a:tcPr/>
+                </a:tc>
+                <a:tc>
+                  <a:txBody>
+                    <a:bodyPr/>
+                    <a:lstStyle/>
+                    <a:p>
+                      <a:pPr algn="ctr"/>
+                      <a:r>
+                        <a:rPr lang="en-US" b="1" dirty="0"/>
+                        <a:t>Y</a:t>
+                      </a:r>
+                      <a:endParaRPr lang="en-US" dirty="0"/>
+                    </a:p>
+                  </a:txBody>
+                  <a:tcPr/>
+                </a:tc>
+                <a:tc>
+                  <a:txBody>
+                    <a:bodyPr/>
+                    <a:lstStyle/>
+                    <a:p>
+                      <a:pPr algn="ctr"/>
+                      <a:endParaRPr lang="en-US" dirty="0"/>
+                    </a:p>
+                  </a:txBody>
+                  <a:tcPr/>
+                </a:tc>
+                <a:extLst>
+                  <a:ext uri="{0D108BD9-81ED-4DB2-BD59-A6C34878D82A}">
+                    <a16:rowId xmlns:a16="http://schemas.microsoft.com/office/drawing/2014/main" val="2126911642"/>
+                  </a:ext>
+                </a:extLst>
+              </a:tr>
+              <a:tr h="346323">
+                <a:tc>
+                  <a:txBody>
+                    <a:bodyPr/>
+                    <a:lstStyle/>
+                    <a:p>
+                      <a:r>
+                        <a:rPr lang="en-US" dirty="0"/>
+                        <a:t>crosses</a:t>
+                      </a:r>
+                    </a:p>
+                  </a:txBody>
+                  <a:tcPr/>
+                </a:tc>
+                <a:tc>
+                  <a:txBody>
+                    <a:bodyPr/>
+                    <a:lstStyle/>
+                    <a:p>
+                      <a:pPr algn="ctr"/>
+                      <a:r>
+                        <a:rPr lang="en-US" b="1" dirty="0"/>
+                        <a:t>Y</a:t>
+                      </a:r>
+                      <a:endParaRPr lang="en-US" dirty="0"/>
+                    </a:p>
+                  </a:txBody>
+                  <a:tcPr/>
+                </a:tc>
+                <a:tc>
+                  <a:txBody>
+                    <a:bodyPr/>
+                    <a:lstStyle/>
+                    <a:p>
+                      <a:pPr marL="0" marR="0" lvl="0" indent="0" algn="ctr" defTabSz="457200" rtl="0" eaLnBrk="1" fontAlgn="auto" latinLnBrk="0" hangingPunct="1">
+                        <a:lnSpc>
+                          <a:spcPct val="100000"/>
+                        </a:lnSpc>
+                        <a:spcBef>
+                          <a:spcPts val="0"/>
+                        </a:spcBef>
+                        <a:spcAft>
+                          <a:spcPts val="0"/>
+                        </a:spcAft>
+                        <a:buClrTx/>
+                        <a:buSzTx/>
+                        <a:buFontTx/>
+                        <a:buNone/>
+                        <a:tabLst/>
+                        <a:defRPr/>
+                      </a:pPr>
+                      <a:r>
+                        <a:rPr lang="en-US" b="1" dirty="0"/>
+                        <a:t>Y</a:t>
+                      </a:r>
+                      <a:endParaRPr lang="en-US" dirty="0"/>
+                    </a:p>
+                  </a:txBody>
+                  <a:tcPr/>
+                </a:tc>
+                <a:tc>
+                  <a:txBody>
+                    <a:bodyPr/>
+                    <a:lstStyle/>
+                    <a:p>
+                      <a:pPr algn="ctr"/>
+                      <a:r>
+                        <a:rPr lang="en-US" b="1" dirty="0"/>
+                        <a:t>Y</a:t>
+                      </a:r>
+                      <a:endParaRPr lang="en-US" dirty="0"/>
+                    </a:p>
+                  </a:txBody>
+                  <a:tcPr/>
+                </a:tc>
+                <a:tc>
+                  <a:txBody>
+                    <a:bodyPr/>
+                    <a:lstStyle/>
+                    <a:p>
+                      <a:pPr algn="ctr"/>
+                      <a:r>
+                        <a:rPr lang="en-US" b="1" dirty="0"/>
+                        <a:t>Y</a:t>
+                      </a:r>
+                      <a:endParaRPr lang="en-US" dirty="0"/>
+                    </a:p>
+                  </a:txBody>
+                  <a:tcPr/>
+                </a:tc>
+                <a:extLst>
+                  <a:ext uri="{0D108BD9-81ED-4DB2-BD59-A6C34878D82A}">
+                    <a16:rowId xmlns:a16="http://schemas.microsoft.com/office/drawing/2014/main" val="1078831703"/>
+                  </a:ext>
+                </a:extLst>
+              </a:tr>
+              <a:tr h="346323">
+                <a:tc>
+                  <a:txBody>
+                    <a:bodyPr/>
+                    <a:lstStyle/>
+                    <a:p>
+                      <a:r>
+                        <a:rPr lang="en-US" dirty="0"/>
+                        <a:t>corners</a:t>
+                      </a:r>
+                    </a:p>
+                  </a:txBody>
+                  <a:tcPr/>
+                </a:tc>
+                <a:tc>
+                  <a:txBody>
+                    <a:bodyPr/>
+                    <a:lstStyle/>
+                    <a:p>
+                      <a:pPr algn="ctr"/>
+                      <a:r>
+                        <a:rPr lang="en-US" b="1" dirty="0"/>
+                        <a:t>Y</a:t>
+                      </a:r>
+                      <a:endParaRPr lang="en-US" dirty="0"/>
+                    </a:p>
+                  </a:txBody>
+                  <a:tcPr/>
+                </a:tc>
+                <a:tc>
+                  <a:txBody>
+                    <a:bodyPr/>
+                    <a:lstStyle/>
+                    <a:p>
+                      <a:pPr algn="ctr"/>
+                      <a:endParaRPr lang="en-US" dirty="0"/>
+                    </a:p>
+                  </a:txBody>
+                  <a:tcPr/>
+                </a:tc>
+                <a:tc>
+                  <a:txBody>
+                    <a:bodyPr/>
+                    <a:lstStyle/>
+                    <a:p>
+                      <a:pPr algn="ctr"/>
+                      <a:endParaRPr lang="en-US" dirty="0"/>
+                    </a:p>
+                  </a:txBody>
+                  <a:tcPr/>
+                </a:tc>
+                <a:tc>
+                  <a:txBody>
+                    <a:bodyPr/>
+                    <a:lstStyle/>
+                    <a:p>
+                      <a:pPr algn="ctr"/>
+                      <a:endParaRPr lang="en-US" dirty="0"/>
+                    </a:p>
+                  </a:txBody>
+                  <a:tcPr/>
+                </a:tc>
+                <a:extLst>
+                  <a:ext uri="{0D108BD9-81ED-4DB2-BD59-A6C34878D82A}">
+                    <a16:rowId xmlns:a16="http://schemas.microsoft.com/office/drawing/2014/main" val="3295052429"/>
+                  </a:ext>
+                </a:extLst>
+              </a:tr>
+              <a:tr h="346323">
+                <a:tc>
+                  <a:txBody>
+                    <a:bodyPr/>
+                    <a:lstStyle/>
+                    <a:p>
+                      <a:r>
+                        <a:rPr lang="en-US" dirty="0" err="1"/>
+                        <a:t>oppShotson</a:t>
+                      </a:r>
+                      <a:endParaRPr lang="en-US" dirty="0"/>
+                    </a:p>
+                  </a:txBody>
+                  <a:tcPr/>
+                </a:tc>
+                <a:tc>
+                  <a:txBody>
+                    <a:bodyPr/>
+                    <a:lstStyle/>
+                    <a:p>
+                      <a:pPr algn="ctr"/>
+                      <a:r>
+                        <a:rPr lang="en-US" b="1" dirty="0"/>
+                        <a:t>Y</a:t>
+                      </a:r>
+                    </a:p>
+                  </a:txBody>
+                  <a:tcPr/>
+                </a:tc>
+                <a:tc>
+                  <a:txBody>
+                    <a:bodyPr/>
+                    <a:lstStyle/>
+                    <a:p>
+                      <a:pPr algn="ctr"/>
+                      <a:endParaRPr lang="en-US" dirty="0"/>
+                    </a:p>
+                  </a:txBody>
+                  <a:tcPr/>
+                </a:tc>
+                <a:tc>
+                  <a:txBody>
+                    <a:bodyPr/>
+                    <a:lstStyle/>
+                    <a:p>
+                      <a:pPr algn="ctr"/>
+                      <a:r>
+                        <a:rPr lang="en-US" b="1" dirty="0"/>
+                        <a:t>Y</a:t>
+                      </a:r>
+                      <a:endParaRPr lang="en-US" dirty="0"/>
+                    </a:p>
+                  </a:txBody>
+                  <a:tcPr/>
+                </a:tc>
+                <a:tc>
+                  <a:txBody>
+                    <a:bodyPr/>
+                    <a:lstStyle/>
+                    <a:p>
+                      <a:pPr algn="ctr"/>
+                      <a:endParaRPr lang="en-US" dirty="0"/>
+                    </a:p>
+                  </a:txBody>
+                  <a:tcPr/>
+                </a:tc>
+                <a:extLst>
+                  <a:ext uri="{0D108BD9-81ED-4DB2-BD59-A6C34878D82A}">
+                    <a16:rowId xmlns:a16="http://schemas.microsoft.com/office/drawing/2014/main" val="1693532164"/>
+                  </a:ext>
+                </a:extLst>
+              </a:tr>
+              <a:tr h="346323">
+                <a:tc>
+                  <a:txBody>
+                    <a:bodyPr/>
+                    <a:lstStyle/>
+                    <a:p>
+                      <a:r>
+                        <a:rPr lang="en-US" dirty="0" err="1"/>
+                        <a:t>oppShotsoff</a:t>
+                      </a:r>
+                      <a:endParaRPr lang="en-US" dirty="0"/>
+                    </a:p>
+                  </a:txBody>
+                  <a:tcPr/>
+                </a:tc>
+                <a:tc>
+                  <a:txBody>
+                    <a:bodyPr/>
+                    <a:lstStyle/>
+                    <a:p>
+                      <a:pPr algn="ctr"/>
+                      <a:r>
+                        <a:rPr lang="en-US" b="1" dirty="0"/>
+                        <a:t>Y</a:t>
+                      </a:r>
+                      <a:endParaRPr lang="en-US" dirty="0"/>
+                    </a:p>
+                  </a:txBody>
+                  <a:tcPr/>
+                </a:tc>
+                <a:tc>
+                  <a:txBody>
+                    <a:bodyPr/>
+                    <a:lstStyle/>
+                    <a:p>
+                      <a:pPr algn="ctr"/>
+                      <a:endParaRPr lang="en-US" dirty="0"/>
+                    </a:p>
+                  </a:txBody>
+                  <a:tcPr/>
+                </a:tc>
+                <a:tc>
+                  <a:txBody>
+                    <a:bodyPr/>
+                    <a:lstStyle/>
+                    <a:p>
+                      <a:pPr algn="ctr"/>
+                      <a:r>
+                        <a:rPr lang="en-US" b="1" dirty="0"/>
+                        <a:t>Y</a:t>
+                      </a:r>
+                      <a:endParaRPr lang="en-US" dirty="0"/>
+                    </a:p>
+                  </a:txBody>
+                  <a:tcPr/>
+                </a:tc>
+                <a:tc>
+                  <a:txBody>
+                    <a:bodyPr/>
+                    <a:lstStyle/>
+                    <a:p>
+                      <a:pPr algn="ctr"/>
+                      <a:endParaRPr lang="en-US" dirty="0"/>
+                    </a:p>
+                  </a:txBody>
+                  <a:tcPr/>
+                </a:tc>
+                <a:extLst>
+                  <a:ext uri="{0D108BD9-81ED-4DB2-BD59-A6C34878D82A}">
+                    <a16:rowId xmlns:a16="http://schemas.microsoft.com/office/drawing/2014/main" val="4026626747"/>
+                  </a:ext>
+                </a:extLst>
+              </a:tr>
+              <a:tr h="346323">
+                <a:tc>
+                  <a:txBody>
+                    <a:bodyPr/>
+                    <a:lstStyle/>
+                    <a:p>
+                      <a:r>
+                        <a:rPr lang="en-US" dirty="0" err="1"/>
+                        <a:t>oppCrosses</a:t>
+                      </a:r>
+                      <a:endParaRPr lang="en-US" dirty="0"/>
+                    </a:p>
+                  </a:txBody>
+                  <a:tcPr/>
+                </a:tc>
+                <a:tc>
+                  <a:txBody>
+                    <a:bodyPr/>
+                    <a:lstStyle/>
+                    <a:p>
+                      <a:pPr algn="ctr"/>
+                      <a:r>
+                        <a:rPr lang="en-US" b="1" dirty="0"/>
+                        <a:t>Y</a:t>
+                      </a:r>
+                      <a:endParaRPr lang="en-US" dirty="0"/>
+                    </a:p>
+                  </a:txBody>
+                  <a:tcPr/>
+                </a:tc>
+                <a:tc>
+                  <a:txBody>
+                    <a:bodyPr/>
+                    <a:lstStyle/>
+                    <a:p>
+                      <a:pPr algn="ctr"/>
+                      <a:r>
+                        <a:rPr lang="en-US" b="1" dirty="0"/>
+                        <a:t>Y</a:t>
+                      </a:r>
+                      <a:endParaRPr lang="en-US" dirty="0"/>
+                    </a:p>
+                  </a:txBody>
+                  <a:tcPr/>
+                </a:tc>
+                <a:tc>
+                  <a:txBody>
+                    <a:bodyPr/>
+                    <a:lstStyle/>
+                    <a:p>
+                      <a:pPr algn="ctr"/>
+                      <a:r>
+                        <a:rPr lang="en-US" b="1" dirty="0"/>
+                        <a:t>Y</a:t>
+                      </a:r>
+                      <a:endParaRPr lang="en-US" dirty="0"/>
+                    </a:p>
+                  </a:txBody>
+                  <a:tcPr/>
+                </a:tc>
+                <a:tc>
+                  <a:txBody>
+                    <a:bodyPr/>
+                    <a:lstStyle/>
+                    <a:p>
+                      <a:pPr algn="ctr"/>
+                      <a:r>
+                        <a:rPr lang="en-US" b="1" dirty="0"/>
+                        <a:t>Y</a:t>
+                      </a:r>
+                      <a:endParaRPr lang="en-US" dirty="0"/>
+                    </a:p>
+                  </a:txBody>
+                  <a:tcPr/>
+                </a:tc>
+                <a:extLst>
+                  <a:ext uri="{0D108BD9-81ED-4DB2-BD59-A6C34878D82A}">
+                    <a16:rowId xmlns:a16="http://schemas.microsoft.com/office/drawing/2014/main" val="4217640572"/>
+                  </a:ext>
+                </a:extLst>
+              </a:tr>
+              <a:tr h="346323">
+                <a:tc>
+                  <a:txBody>
+                    <a:bodyPr/>
+                    <a:lstStyle/>
+                    <a:p>
+                      <a:r>
+                        <a:rPr lang="en-US" dirty="0" err="1"/>
+                        <a:t>oppCorners</a:t>
+                      </a:r>
+                      <a:endParaRPr lang="en-US" dirty="0"/>
+                    </a:p>
+                  </a:txBody>
+                  <a:tcPr/>
+                </a:tc>
+                <a:tc>
+                  <a:txBody>
+                    <a:bodyPr/>
+                    <a:lstStyle/>
+                    <a:p>
+                      <a:pPr algn="ctr"/>
+                      <a:r>
+                        <a:rPr lang="en-US" b="1" dirty="0"/>
+                        <a:t>Y</a:t>
+                      </a:r>
+                      <a:endParaRPr lang="en-US" dirty="0"/>
+                    </a:p>
+                  </a:txBody>
+                  <a:tcPr/>
+                </a:tc>
+                <a:tc>
+                  <a:txBody>
+                    <a:bodyPr/>
+                    <a:lstStyle/>
+                    <a:p>
+                      <a:pPr algn="ctr"/>
+                      <a:endParaRPr lang="en-US" dirty="0"/>
+                    </a:p>
+                  </a:txBody>
+                  <a:tcPr/>
+                </a:tc>
+                <a:tc>
+                  <a:txBody>
+                    <a:bodyPr/>
+                    <a:lstStyle/>
+                    <a:p>
+                      <a:pPr algn="ctr"/>
+                      <a:endParaRPr lang="en-US" dirty="0"/>
+                    </a:p>
+                  </a:txBody>
+                  <a:tcPr/>
+                </a:tc>
+                <a:tc>
+                  <a:txBody>
+                    <a:bodyPr/>
+                    <a:lstStyle/>
+                    <a:p>
+                      <a:pPr algn="ctr"/>
+                      <a:endParaRPr lang="en-US" dirty="0"/>
+                    </a:p>
+                  </a:txBody>
+                  <a:tcPr/>
+                </a:tc>
+                <a:extLst>
+                  <a:ext uri="{0D108BD9-81ED-4DB2-BD59-A6C34878D82A}">
+                    <a16:rowId xmlns:a16="http://schemas.microsoft.com/office/drawing/2014/main" val="3345685345"/>
+                  </a:ext>
+                </a:extLst>
+              </a:tr>
+              <a:tr h="346323">
+                <a:tc>
+                  <a:txBody>
+                    <a:bodyPr/>
+                    <a:lstStyle/>
+                    <a:p>
+                      <a:r>
+                        <a:rPr lang="en-US" dirty="0"/>
+                        <a:t>fouls</a:t>
+                      </a:r>
+                    </a:p>
+                  </a:txBody>
+                  <a:tcPr/>
+                </a:tc>
+                <a:tc>
+                  <a:txBody>
+                    <a:bodyPr/>
+                    <a:lstStyle/>
+                    <a:p>
+                      <a:pPr algn="ctr"/>
+                      <a:r>
+                        <a:rPr lang="en-US" b="1" dirty="0"/>
+                        <a:t>Y</a:t>
+                      </a:r>
+                    </a:p>
+                  </a:txBody>
+                  <a:tcPr/>
+                </a:tc>
+                <a:tc>
+                  <a:txBody>
+                    <a:bodyPr/>
+                    <a:lstStyle/>
+                    <a:p>
+                      <a:pPr algn="ctr"/>
+                      <a:r>
+                        <a:rPr lang="en-US" b="1" dirty="0"/>
+                        <a:t>Y</a:t>
+                      </a:r>
+                      <a:endParaRPr lang="en-US" dirty="0"/>
+                    </a:p>
+                  </a:txBody>
+                  <a:tcPr/>
+                </a:tc>
+                <a:tc>
+                  <a:txBody>
+                    <a:bodyPr/>
+                    <a:lstStyle/>
+                    <a:p>
+                      <a:pPr algn="ctr"/>
+                      <a:endParaRPr lang="en-US" dirty="0"/>
+                    </a:p>
+                  </a:txBody>
+                  <a:tcPr/>
+                </a:tc>
+                <a:tc>
+                  <a:txBody>
+                    <a:bodyPr/>
+                    <a:lstStyle/>
+                    <a:p>
+                      <a:pPr algn="ctr"/>
+                      <a:endParaRPr lang="en-US" dirty="0"/>
+                    </a:p>
+                  </a:txBody>
+                  <a:tcPr/>
+                </a:tc>
+                <a:extLst>
+                  <a:ext uri="{0D108BD9-81ED-4DB2-BD59-A6C34878D82A}">
+                    <a16:rowId xmlns:a16="http://schemas.microsoft.com/office/drawing/2014/main" val="4185612402"/>
+                  </a:ext>
+                </a:extLst>
+              </a:tr>
+              <a:tr h="346323">
+                <a:tc>
+                  <a:txBody>
+                    <a:bodyPr/>
+                    <a:lstStyle/>
+                    <a:p>
+                      <a:r>
+                        <a:rPr lang="en-US" dirty="0" err="1"/>
+                        <a:t>Ycards</a:t>
+                      </a:r>
+                      <a:endParaRPr lang="en-US" dirty="0"/>
+                    </a:p>
+                  </a:txBody>
+                  <a:tcPr/>
+                </a:tc>
+                <a:tc>
+                  <a:txBody>
+                    <a:bodyPr/>
+                    <a:lstStyle/>
+                    <a:p>
+                      <a:pPr algn="ctr"/>
+                      <a:r>
+                        <a:rPr lang="en-US" b="1" dirty="0"/>
+                        <a:t>Y</a:t>
+                      </a:r>
+                      <a:endParaRPr lang="en-US" dirty="0"/>
+                    </a:p>
+                  </a:txBody>
+                  <a:tcPr/>
+                </a:tc>
+                <a:tc>
+                  <a:txBody>
+                    <a:bodyPr/>
+                    <a:lstStyle/>
+                    <a:p>
+                      <a:pPr algn="ctr"/>
+                      <a:r>
+                        <a:rPr lang="en-US" b="1" dirty="0"/>
+                        <a:t>Y</a:t>
+                      </a:r>
+                      <a:endParaRPr lang="en-US" dirty="0"/>
+                    </a:p>
+                  </a:txBody>
+                  <a:tcPr/>
+                </a:tc>
+                <a:tc>
+                  <a:txBody>
+                    <a:bodyPr/>
+                    <a:lstStyle/>
+                    <a:p>
+                      <a:pPr algn="ctr"/>
+                      <a:r>
+                        <a:rPr lang="en-US" b="1" dirty="0"/>
+                        <a:t>Y</a:t>
+                      </a:r>
+                      <a:endParaRPr lang="en-US" dirty="0"/>
+                    </a:p>
+                  </a:txBody>
+                  <a:tcPr/>
+                </a:tc>
+                <a:tc>
+                  <a:txBody>
+                    <a:bodyPr/>
+                    <a:lstStyle/>
+                    <a:p>
+                      <a:pPr algn="ctr"/>
+                      <a:r>
+                        <a:rPr lang="en-US" b="1" dirty="0"/>
+                        <a:t>Y</a:t>
+                      </a:r>
+                      <a:endParaRPr lang="en-US" dirty="0"/>
+                    </a:p>
+                  </a:txBody>
+                  <a:tcPr/>
+                </a:tc>
+                <a:extLst>
+                  <a:ext uri="{0D108BD9-81ED-4DB2-BD59-A6C34878D82A}">
+                    <a16:rowId xmlns:a16="http://schemas.microsoft.com/office/drawing/2014/main" val="2541373540"/>
+                  </a:ext>
+                </a:extLst>
+              </a:tr>
+              <a:tr h="346323">
+                <a:tc>
+                  <a:txBody>
+                    <a:bodyPr/>
+                    <a:lstStyle/>
+                    <a:p>
+                      <a:r>
+                        <a:rPr lang="en-US" dirty="0" err="1"/>
+                        <a:t>Rcards</a:t>
+                      </a:r>
+                      <a:endParaRPr lang="en-US" dirty="0"/>
+                    </a:p>
+                  </a:txBody>
+                  <a:tcPr/>
+                </a:tc>
+                <a:tc>
+                  <a:txBody>
+                    <a:bodyPr/>
+                    <a:lstStyle/>
+                    <a:p>
+                      <a:pPr algn="ctr"/>
+                      <a:r>
+                        <a:rPr lang="en-US" b="1" dirty="0"/>
+                        <a:t>Y</a:t>
+                      </a:r>
+                      <a:endParaRPr lang="en-US" dirty="0"/>
+                    </a:p>
+                  </a:txBody>
+                  <a:tcPr/>
+                </a:tc>
+                <a:tc>
+                  <a:txBody>
+                    <a:bodyPr/>
+                    <a:lstStyle/>
+                    <a:p>
+                      <a:pPr algn="ctr"/>
+                      <a:r>
+                        <a:rPr lang="en-US" b="1" dirty="0"/>
+                        <a:t>Y</a:t>
+                      </a:r>
+                      <a:endParaRPr lang="en-US" dirty="0"/>
+                    </a:p>
+                  </a:txBody>
+                  <a:tcPr/>
+                </a:tc>
+                <a:tc>
+                  <a:txBody>
+                    <a:bodyPr/>
+                    <a:lstStyle/>
+                    <a:p>
+                      <a:pPr algn="ctr"/>
+                      <a:r>
+                        <a:rPr lang="en-US" b="1" dirty="0"/>
+                        <a:t>Y</a:t>
+                      </a:r>
+                      <a:endParaRPr lang="en-US" dirty="0"/>
+                    </a:p>
+                  </a:txBody>
+                  <a:tcPr/>
+                </a:tc>
+                <a:tc>
+                  <a:txBody>
+                    <a:bodyPr/>
+                    <a:lstStyle/>
+                    <a:p>
+                      <a:pPr algn="ctr"/>
+                      <a:r>
+                        <a:rPr lang="en-US" b="1" dirty="0"/>
+                        <a:t>Y</a:t>
+                      </a:r>
+                      <a:endParaRPr lang="en-US" dirty="0"/>
+                    </a:p>
+                  </a:txBody>
+                  <a:tcPr/>
+                </a:tc>
+                <a:extLst>
+                  <a:ext uri="{0D108BD9-81ED-4DB2-BD59-A6C34878D82A}">
+                    <a16:rowId xmlns:a16="http://schemas.microsoft.com/office/drawing/2014/main" val="572846855"/>
+                  </a:ext>
+                </a:extLst>
+              </a:tr>
+              <a:tr h="346323">
+                <a:tc>
+                  <a:txBody>
+                    <a:bodyPr/>
+                    <a:lstStyle/>
+                    <a:p>
+                      <a:r>
+                        <a:rPr lang="en-US" dirty="0" err="1"/>
+                        <a:t>oppYcards</a:t>
+                      </a:r>
+                      <a:endParaRPr lang="en-US" dirty="0"/>
+                    </a:p>
+                  </a:txBody>
+                  <a:tcPr/>
+                </a:tc>
+                <a:tc>
+                  <a:txBody>
+                    <a:bodyPr/>
+                    <a:lstStyle/>
+                    <a:p>
+                      <a:pPr algn="ctr"/>
+                      <a:r>
+                        <a:rPr lang="en-US" b="1" dirty="0"/>
+                        <a:t>Y</a:t>
+                      </a:r>
+                      <a:endParaRPr lang="en-US" dirty="0"/>
+                    </a:p>
+                  </a:txBody>
+                  <a:tcPr/>
+                </a:tc>
+                <a:tc>
+                  <a:txBody>
+                    <a:bodyPr/>
+                    <a:lstStyle/>
+                    <a:p>
+                      <a:pPr algn="ctr"/>
+                      <a:r>
+                        <a:rPr lang="en-US" b="1" dirty="0"/>
+                        <a:t>Y</a:t>
+                      </a:r>
+                      <a:endParaRPr lang="en-US" dirty="0"/>
+                    </a:p>
+                  </a:txBody>
+                  <a:tcPr/>
+                </a:tc>
+                <a:tc>
+                  <a:txBody>
+                    <a:bodyPr/>
+                    <a:lstStyle/>
+                    <a:p>
+                      <a:pPr algn="ctr"/>
+                      <a:r>
+                        <a:rPr lang="en-US" b="1" dirty="0"/>
+                        <a:t>Y</a:t>
+                      </a:r>
+                      <a:endParaRPr lang="en-US" dirty="0"/>
+                    </a:p>
+                  </a:txBody>
+                  <a:tcPr/>
+                </a:tc>
+                <a:tc>
+                  <a:txBody>
+                    <a:bodyPr/>
+                    <a:lstStyle/>
+                    <a:p>
+                      <a:pPr algn="ctr"/>
+                      <a:r>
+                        <a:rPr lang="en-US" b="1" dirty="0"/>
+                        <a:t>Y</a:t>
+                      </a:r>
+                      <a:endParaRPr lang="en-US" dirty="0"/>
+                    </a:p>
+                  </a:txBody>
+                  <a:tcPr/>
+                </a:tc>
+                <a:extLst>
+                  <a:ext uri="{0D108BD9-81ED-4DB2-BD59-A6C34878D82A}">
+                    <a16:rowId xmlns:a16="http://schemas.microsoft.com/office/drawing/2014/main" val="625003309"/>
+                  </a:ext>
+                </a:extLst>
+              </a:tr>
+              <a:tr h="346323">
+                <a:tc>
+                  <a:txBody>
+                    <a:bodyPr/>
+                    <a:lstStyle/>
+                    <a:p>
+                      <a:r>
+                        <a:rPr lang="en-US" dirty="0" err="1"/>
+                        <a:t>oppRcards</a:t>
+                      </a:r>
+                      <a:endParaRPr lang="en-US" dirty="0"/>
+                    </a:p>
+                  </a:txBody>
+                  <a:tcPr/>
+                </a:tc>
+                <a:tc>
+                  <a:txBody>
+                    <a:bodyPr/>
+                    <a:lstStyle/>
+                    <a:p>
+                      <a:pPr algn="ctr"/>
+                      <a:r>
+                        <a:rPr lang="en-US" b="1" dirty="0"/>
+                        <a:t>Y</a:t>
+                      </a:r>
+                      <a:endParaRPr lang="en-US" dirty="0"/>
+                    </a:p>
+                  </a:txBody>
+                  <a:tcPr/>
+                </a:tc>
+                <a:tc>
+                  <a:txBody>
+                    <a:bodyPr/>
+                    <a:lstStyle/>
+                    <a:p>
+                      <a:pPr algn="ctr"/>
+                      <a:r>
+                        <a:rPr lang="en-US" b="1" dirty="0"/>
+                        <a:t>Y</a:t>
+                      </a:r>
+                      <a:endParaRPr lang="en-US" dirty="0"/>
+                    </a:p>
+                  </a:txBody>
+                  <a:tcPr/>
+                </a:tc>
+                <a:tc>
+                  <a:txBody>
+                    <a:bodyPr/>
+                    <a:lstStyle/>
+                    <a:p>
+                      <a:pPr algn="ctr"/>
+                      <a:r>
+                        <a:rPr lang="en-US" b="1" dirty="0"/>
+                        <a:t>Y</a:t>
+                      </a:r>
+                      <a:endParaRPr lang="en-US" dirty="0"/>
+                    </a:p>
+                  </a:txBody>
+                  <a:tcPr/>
+                </a:tc>
+                <a:tc>
+                  <a:txBody>
+                    <a:bodyPr/>
+                    <a:lstStyle/>
+                    <a:p>
+                      <a:pPr algn="ctr"/>
+                      <a:r>
+                        <a:rPr lang="en-US" b="1" dirty="0"/>
+                        <a:t>Y</a:t>
+                      </a:r>
+                      <a:endParaRPr lang="en-US" dirty="0"/>
+                    </a:p>
+                  </a:txBody>
+                  <a:tcPr/>
+                </a:tc>
+                <a:extLst>
+                  <a:ext uri="{0D108BD9-81ED-4DB2-BD59-A6C34878D82A}">
+                    <a16:rowId xmlns:a16="http://schemas.microsoft.com/office/drawing/2014/main" val="2835116059"/>
+                  </a:ext>
+                </a:extLst>
+              </a:tr>
+              <a:tr h="346323">
+                <a:tc>
+                  <a:txBody>
+                    <a:bodyPr/>
+                    <a:lstStyle/>
+                    <a:p>
+                      <a:r>
+                        <a:rPr lang="en-US" dirty="0" err="1"/>
+                        <a:t>home_or_away</a:t>
+                      </a:r>
+                      <a:endParaRPr lang="en-US" dirty="0"/>
+                    </a:p>
+                  </a:txBody>
+                  <a:tcPr/>
+                </a:tc>
+                <a:tc>
+                  <a:txBody>
+                    <a:bodyPr/>
+                    <a:lstStyle/>
+                    <a:p>
+                      <a:pPr algn="ctr"/>
+                      <a:endParaRPr lang="en-US" dirty="0"/>
+                    </a:p>
+                  </a:txBody>
+                  <a:tcPr/>
+                </a:tc>
+                <a:tc>
+                  <a:txBody>
+                    <a:bodyPr/>
+                    <a:lstStyle/>
+                    <a:p>
+                      <a:pPr algn="ctr"/>
+                      <a:endParaRPr lang="en-US" dirty="0"/>
+                    </a:p>
+                  </a:txBody>
+                  <a:tcPr/>
+                </a:tc>
+                <a:tc>
+                  <a:txBody>
+                    <a:bodyPr/>
+                    <a:lstStyle/>
+                    <a:p>
+                      <a:pPr algn="ctr"/>
+                      <a:r>
+                        <a:rPr lang="en-US" b="1" dirty="0"/>
+                        <a:t>Y</a:t>
+                      </a:r>
+                      <a:endParaRPr lang="en-US" dirty="0"/>
+                    </a:p>
+                  </a:txBody>
+                  <a:tcPr/>
+                </a:tc>
+                <a:tc>
+                  <a:txBody>
+                    <a:bodyPr/>
+                    <a:lstStyle/>
+                    <a:p>
+                      <a:pPr algn="ctr"/>
+                      <a:r>
+                        <a:rPr lang="en-US" b="1" dirty="0"/>
+                        <a:t>Y</a:t>
+                      </a:r>
+                      <a:endParaRPr lang="en-US" dirty="0"/>
+                    </a:p>
+                  </a:txBody>
+                  <a:tcPr/>
+                </a:tc>
+                <a:extLst>
+                  <a:ext uri="{0D108BD9-81ED-4DB2-BD59-A6C34878D82A}">
+                    <a16:rowId xmlns:a16="http://schemas.microsoft.com/office/drawing/2014/main" val="3350688544"/>
+                  </a:ext>
+                </a:extLst>
+              </a:tr>
+            </a:tbl>
+          </a:graphicData>
+        </a:graphic>
+      </p:graphicFrame>
+      <p:sp>
+        <p:nvSpPr>
+          <p:cNvPr id="7" name="TextBox 6">
+            <a:extLst>
+              <a:ext uri="{FF2B5EF4-FFF2-40B4-BE49-F238E27FC236}">
+                <a16:creationId xmlns:a16="http://schemas.microsoft.com/office/drawing/2014/main" id="{66A7ACF2-98F6-4197-8603-371DE896802A}"/>
+              </a:ext>
+            </a:extLst>
+          </p:cNvPr>
+          <p:cNvSpPr txBox="1"/>
+          <p:nvPr/>
+        </p:nvSpPr>
+        <p:spPr>
+          <a:xfrm>
+            <a:off x="8680174" y="2651299"/>
+            <a:ext cx="2558714" cy="1200329"/>
+          </a:xfrm>
+          <a:prstGeom prst="rect">
+            <a:avLst/>
+          </a:prstGeom>
+          <a:noFill/>
+        </p:spPr>
+        <p:txBody>
+          <a:bodyPr wrap="none" rtlCol="0">
+            <a:spAutoFit/>
+          </a:bodyPr>
+          <a:lstStyle/>
+          <a:p>
+            <a:r>
+              <a:rPr lang="en-US" dirty="0"/>
+              <a:t>Dependent Variable:</a:t>
+            </a:r>
+          </a:p>
+          <a:p>
+            <a:endParaRPr lang="en-US" dirty="0"/>
+          </a:p>
+          <a:p>
+            <a:r>
+              <a:rPr lang="en-US" dirty="0"/>
+              <a:t>Home Team Win</a:t>
+            </a:r>
+          </a:p>
+          <a:p>
+            <a:r>
+              <a:rPr lang="en-US" dirty="0"/>
+              <a:t>Home Team Draw</a:t>
+            </a:r>
+          </a:p>
+        </p:txBody>
+      </p:sp>
+      <p:sp>
+        <p:nvSpPr>
+          <p:cNvPr id="8" name="TextBox 7">
+            <a:extLst>
+              <a:ext uri="{FF2B5EF4-FFF2-40B4-BE49-F238E27FC236}">
+                <a16:creationId xmlns:a16="http://schemas.microsoft.com/office/drawing/2014/main" id="{A6629F02-219D-4D37-88B7-E2EE21D6408D}"/>
+              </a:ext>
+            </a:extLst>
+          </p:cNvPr>
+          <p:cNvSpPr txBox="1"/>
+          <p:nvPr/>
+        </p:nvSpPr>
+        <p:spPr>
+          <a:xfrm>
+            <a:off x="2305878" y="5989983"/>
+            <a:ext cx="5565913" cy="400110"/>
+          </a:xfrm>
+          <a:prstGeom prst="rect">
+            <a:avLst/>
+          </a:prstGeom>
+          <a:noFill/>
+        </p:spPr>
+        <p:txBody>
+          <a:bodyPr wrap="square" rtlCol="0">
+            <a:spAutoFit/>
+          </a:bodyPr>
+          <a:lstStyle/>
+          <a:p>
+            <a:r>
+              <a:rPr lang="en-US" sz="2000" dirty="0"/>
+              <a:t>4 MODEL PAIRS (8 MODELS TOTAL)</a:t>
+            </a:r>
+          </a:p>
+        </p:txBody>
+      </p:sp>
+    </p:spTree>
+    <p:extLst>
+      <p:ext uri="{BB962C8B-B14F-4D97-AF65-F5344CB8AC3E}">
+        <p14:creationId xmlns:p14="http://schemas.microsoft.com/office/powerpoint/2010/main" val="407555496"/>
+      </p:ext>
+    </p:extLst>
+  </p:cSld>
+  <p:clrMapOvr>
+    <a:masterClrMapping/>
+  </p:clrMapOvr>
+</p:sld>
+</file>
+
+<file path=ppt/slides/slide16.xml><?xml version="1.0" encoding="utf-8"?>
+<p:sld xmlns:a="http://schemas.openxmlformats.org/drawingml/2006/main" xmlns:r="http://schemas.openxmlformats.org/officeDocument/2006/relationships" xmlns:p="http://schemas.openxmlformats.org/presentationml/2006/main">
+  <p:cSld>
+    <p:spTree>
+      <p:nvGrpSpPr>
+        <p:cNvPr id="1" name=""/>
+        <p:cNvGrpSpPr/>
+        <p:nvPr/>
+      </p:nvGrpSpPr>
+      <p:grpSpPr>
+        <a:xfrm>
+          <a:off x="0" y="0"/>
+          <a:ext cx="0" cy="0"/>
+          <a:chOff x="0" y="0"/>
+          <a:chExt cx="0" cy="0"/>
+        </a:xfrm>
+      </p:grpSpPr>
+      <p:sp>
+        <p:nvSpPr>
+          <p:cNvPr id="2" name="Title 1">
+            <a:extLst>
+              <a:ext uri="{FF2B5EF4-FFF2-40B4-BE49-F238E27FC236}">
+                <a16:creationId xmlns:a16="http://schemas.microsoft.com/office/drawing/2014/main" id="{4BA495D4-D9E1-47CC-B6E5-C8A6E7F3274B}"/>
+              </a:ext>
+            </a:extLst>
+          </p:cNvPr>
+          <p:cNvSpPr>
+            <a:spLocks noGrp="1"/>
+          </p:cNvSpPr>
+          <p:nvPr>
+            <p:ph type="title"/>
+          </p:nvPr>
+        </p:nvSpPr>
+        <p:spPr>
+          <a:xfrm>
+            <a:off x="8463237" y="392411"/>
+            <a:ext cx="3728763" cy="2443554"/>
+          </a:xfrm>
+        </p:spPr>
+        <p:txBody>
+          <a:bodyPr>
+            <a:normAutofit/>
+          </a:bodyPr>
+          <a:lstStyle/>
+          <a:p>
+            <a:r>
+              <a:rPr lang="en-US" sz="2800" dirty="0"/>
+              <a:t>Beating the baseline models:</a:t>
+            </a:r>
+            <a:br>
+              <a:rPr lang="en-US" dirty="0"/>
+            </a:br>
+            <a:br>
+              <a:rPr lang="en-US" dirty="0"/>
+            </a:br>
+            <a:r>
+              <a:rPr lang="en-US" sz="2400" dirty="0"/>
+              <a:t>logistic regression</a:t>
+            </a:r>
+          </a:p>
+        </p:txBody>
+      </p:sp>
+      <p:graphicFrame>
+        <p:nvGraphicFramePr>
+          <p:cNvPr id="4" name="Content Placeholder 3">
+            <a:extLst>
+              <a:ext uri="{FF2B5EF4-FFF2-40B4-BE49-F238E27FC236}">
+                <a16:creationId xmlns:a16="http://schemas.microsoft.com/office/drawing/2014/main" id="{C6182FFC-15C5-4148-967A-9CF471F8A80B}"/>
+              </a:ext>
+            </a:extLst>
+          </p:cNvPr>
+          <p:cNvGraphicFramePr>
+            <a:graphicFrameLocks noGrp="1"/>
+          </p:cNvGraphicFramePr>
+          <p:nvPr>
+            <p:ph idx="1"/>
+            <p:extLst>
+              <p:ext uri="{D42A27DB-BD31-4B8C-83A1-F6EECF244321}">
+                <p14:modId xmlns:p14="http://schemas.microsoft.com/office/powerpoint/2010/main" val="1031705700"/>
               </p:ext>
             </p:extLst>
           </p:nvPr>
@@ -6937,46 +8808,46 @@
                     <a:p>
                       <a:r>
                         <a:rPr lang="en-US" dirty="0"/>
-                        <a:t>Model 1</a:t>
-                      </a:r>
-                    </a:p>
-                  </a:txBody>
-                  <a:tcPr/>
-                </a:tc>
-                <a:tc>
-                  <a:txBody>
-                    <a:bodyPr/>
-                    <a:lstStyle/>
-                    <a:p>
-                      <a:r>
-                        <a:rPr lang="en-US" dirty="0"/>
-                        <a:t>Model 2</a:t>
-                      </a:r>
-                    </a:p>
-                  </a:txBody>
-                  <a:tcPr/>
-                </a:tc>
-                <a:tc>
-                  <a:txBody>
-                    <a:bodyPr/>
-                    <a:lstStyle/>
-                    <a:p>
-                      <a:r>
-                        <a:rPr lang="en-US" dirty="0"/>
-                        <a:t>Model 3</a:t>
-                      </a:r>
-                    </a:p>
-                  </a:txBody>
-                  <a:tcPr/>
-                </a:tc>
-                <a:tc>
-                  <a:txBody>
-                    <a:bodyPr/>
-                    <a:lstStyle/>
-                    <a:p>
-                      <a:r>
-                        <a:rPr lang="en-US" dirty="0"/>
-                        <a:t>Model 4</a:t>
+                        <a:t>Model 9/10</a:t>
+                      </a:r>
+                    </a:p>
+                  </a:txBody>
+                  <a:tcPr/>
+                </a:tc>
+                <a:tc>
+                  <a:txBody>
+                    <a:bodyPr/>
+                    <a:lstStyle/>
+                    <a:p>
+                      <a:r>
+                        <a:rPr lang="en-US" dirty="0"/>
+                        <a:t>Model 11/12</a:t>
+                      </a:r>
+                    </a:p>
+                  </a:txBody>
+                  <a:tcPr/>
+                </a:tc>
+                <a:tc>
+                  <a:txBody>
+                    <a:bodyPr/>
+                    <a:lstStyle/>
+                    <a:p>
+                      <a:r>
+                        <a:rPr lang="en-US" dirty="0"/>
+                        <a:t>Model 13/14</a:t>
+                      </a:r>
+                    </a:p>
+                  </a:txBody>
+                  <a:tcPr/>
+                </a:tc>
+                <a:tc>
+                  <a:txBody>
+                    <a:bodyPr/>
+                    <a:lstStyle/>
+                    <a:p>
+                      <a:r>
+                        <a:rPr lang="en-US" dirty="0"/>
+                        <a:t>Model 15/16</a:t>
                       </a:r>
                     </a:p>
                   </a:txBody>
@@ -8131,7 +10002,7 @@
     </p:spTree>
     <p:extLst>
       <p:ext uri="{BB962C8B-B14F-4D97-AF65-F5344CB8AC3E}">
-        <p14:creationId xmlns:p14="http://schemas.microsoft.com/office/powerpoint/2010/main" val="407555496"/>
+        <p14:creationId xmlns:p14="http://schemas.microsoft.com/office/powerpoint/2010/main" val="508525783"/>
       </p:ext>
     </p:extLst>
   </p:cSld>
@@ -8141,7 +10012,7 @@
 </p:sld>
 </file>
 
-<file path=ppt/slides/slide15.xml><?xml version="1.0" encoding="utf-8"?>
+<file path=ppt/slides/slide17.xml><?xml version="1.0" encoding="utf-8"?>
 <p:sld xmlns:a="http://schemas.openxmlformats.org/drawingml/2006/main" xmlns:r="http://schemas.openxmlformats.org/officeDocument/2006/relationships" xmlns:p="http://schemas.openxmlformats.org/presentationml/2006/main">
   <p:cSld>
     <p:spTree>
@@ -8207,14 +10078,14 @@
             <p:ph idx="1"/>
             <p:extLst>
               <p:ext uri="{D42A27DB-BD31-4B8C-83A1-F6EECF244321}">
-                <p14:modId xmlns:p14="http://schemas.microsoft.com/office/powerpoint/2010/main" val="1266315252"/>
+                <p14:modId xmlns:p14="http://schemas.microsoft.com/office/powerpoint/2010/main" val="2820781978"/>
               </p:ext>
             </p:extLst>
           </p:nvPr>
         </p:nvGraphicFramePr>
         <p:xfrm>
-          <a:off x="684212" y="685800"/>
-          <a:ext cx="10434360" cy="2494280"/>
+          <a:off x="684212" y="366449"/>
+          <a:ext cx="10434360" cy="2966720"/>
         </p:xfrm>
         <a:graphic>
           <a:graphicData uri="http://schemas.openxmlformats.org/drawingml/2006/table">
@@ -8223,21 +10094,21 @@
                 <a:tableStyleId>{5C22544A-7EE6-4342-B048-85BDC9FD1C3A}</a:tableStyleId>
               </a:tblPr>
               <a:tblGrid>
-                <a:gridCol w="866292">
+                <a:gridCol w="1271197">
                   <a:extLst>
                     <a:ext uri="{9D8B030D-6E8A-4147-A177-3AD203B41FA5}">
                       <a16:colId xmlns:a16="http://schemas.microsoft.com/office/drawing/2014/main" val="3399728744"/>
                     </a:ext>
                   </a:extLst>
                 </a:gridCol>
-                <a:gridCol w="954157">
+                <a:gridCol w="1308296">
                   <a:extLst>
                     <a:ext uri="{9D8B030D-6E8A-4147-A177-3AD203B41FA5}">
                       <a16:colId xmlns:a16="http://schemas.microsoft.com/office/drawing/2014/main" val="2439862215"/>
                     </a:ext>
                   </a:extLst>
                 </a:gridCol>
-                <a:gridCol w="901148">
+                <a:gridCol w="1406769">
                   <a:extLst>
                     <a:ext uri="{9D8B030D-6E8A-4147-A177-3AD203B41FA5}">
                       <a16:colId xmlns:a16="http://schemas.microsoft.com/office/drawing/2014/main" val="3629287062"/>
@@ -8251,28 +10122,28 @@
                     </a:ext>
                   </a:extLst>
                 </a:gridCol>
-                <a:gridCol w="940904">
+                <a:gridCol w="1477108">
                   <a:extLst>
                     <a:ext uri="{9D8B030D-6E8A-4147-A177-3AD203B41FA5}">
                       <a16:colId xmlns:a16="http://schemas.microsoft.com/office/drawing/2014/main" val="1502848649"/>
                     </a:ext>
                   </a:extLst>
                 </a:gridCol>
-                <a:gridCol w="1126435">
+                <a:gridCol w="1561513">
                   <a:extLst>
                     <a:ext uri="{9D8B030D-6E8A-4147-A177-3AD203B41FA5}">
                       <a16:colId xmlns:a16="http://schemas.microsoft.com/office/drawing/2014/main" val="1122444977"/>
                     </a:ext>
                   </a:extLst>
                 </a:gridCol>
-                <a:gridCol w="1272209">
+                <a:gridCol w="1336431">
                   <a:extLst>
                     <a:ext uri="{9D8B030D-6E8A-4147-A177-3AD203B41FA5}">
                       <a16:colId xmlns:a16="http://schemas.microsoft.com/office/drawing/2014/main" val="1203850637"/>
                     </a:ext>
                   </a:extLst>
                 </a:gridCol>
-                <a:gridCol w="3458815">
+                <a:gridCol w="1158646">
                   <a:extLst>
                     <a:ext uri="{9D8B030D-6E8A-4147-A177-3AD203B41FA5}">
                       <a16:colId xmlns:a16="http://schemas.microsoft.com/office/drawing/2014/main" val="3385974787"/>
@@ -8286,46 +10157,46 @@
                     <a:bodyPr/>
                     <a:lstStyle/>
                     <a:p>
+                      <a:r>
+                        <a:rPr lang="en-US" dirty="0"/>
+                        <a:t>Model 5</a:t>
+                      </a:r>
+                    </a:p>
+                  </a:txBody>
+                  <a:tcPr/>
+                </a:tc>
+                <a:tc>
+                  <a:txBody>
+                    <a:bodyPr/>
+                    <a:lstStyle/>
+                    <a:p>
+                      <a:r>
+                        <a:rPr lang="en-US" dirty="0"/>
+                        <a:t>Outcome</a:t>
+                      </a:r>
+                    </a:p>
+                  </a:txBody>
+                  <a:tcPr/>
+                </a:tc>
+                <a:tc>
+                  <a:txBody>
+                    <a:bodyPr/>
+                    <a:lstStyle/>
+                    <a:p>
+                      <a:r>
+                        <a:rPr lang="en-US" dirty="0"/>
+                        <a:t>Predicted</a:t>
+                      </a:r>
+                    </a:p>
+                  </a:txBody>
+                  <a:tcPr/>
+                </a:tc>
+                <a:tc>
+                  <a:txBody>
+                    <a:bodyPr/>
+                    <a:lstStyle/>
+                    <a:p>
                       <a:endParaRPr lang="en-US" dirty="0"/>
-                    </a:p>
-                  </a:txBody>
-                  <a:tcPr/>
-                </a:tc>
-                <a:tc>
-                  <a:txBody>
-                    <a:bodyPr/>
-                    <a:lstStyle/>
-                    <a:p>
-                      <a:r>
-                        <a:rPr lang="en-US" dirty="0"/>
-                        <a:t>B1</a:t>
-                      </a:r>
-                    </a:p>
-                  </a:txBody>
-                  <a:tcPr/>
-                </a:tc>
-                <a:tc>
-                  <a:txBody>
-                    <a:bodyPr/>
-                    <a:lstStyle/>
-                    <a:p>
-                      <a:r>
-                        <a:rPr lang="en-US" dirty="0"/>
-                        <a:t>L1</a:t>
-                      </a:r>
-                    </a:p>
-                  </a:txBody>
-                  <a:tcPr/>
-                </a:tc>
-                <a:tc>
-                  <a:txBody>
-                    <a:bodyPr/>
-                    <a:lstStyle/>
-                    <a:p>
-                      <a:r>
-                        <a:rPr lang="en-US" dirty="0"/>
-                        <a:t>L2</a:t>
-                      </a:r>
                     </a:p>
                   </a:txBody>
                   <a:tcPr>
@@ -8347,7 +10218,7 @@
                     <a:p>
                       <a:r>
                         <a:rPr lang="en-US" dirty="0"/>
-                        <a:t>B2</a:t>
+                        <a:t>Model 6</a:t>
                       </a:r>
                     </a:p>
                   </a:txBody>
@@ -8370,20 +10241,20 @@
                     <a:p>
                       <a:r>
                         <a:rPr lang="en-US" dirty="0"/>
-                        <a:t>M1</a:t>
-                      </a:r>
-                    </a:p>
-                  </a:txBody>
-                  <a:tcPr/>
-                </a:tc>
-                <a:tc>
-                  <a:txBody>
-                    <a:bodyPr/>
-                    <a:lstStyle/>
-                    <a:p>
-                      <a:r>
-                        <a:rPr lang="en-US" dirty="0"/>
-                        <a:t>M2</a:t>
+                        <a:t>Outcome</a:t>
+                      </a:r>
+                    </a:p>
+                  </a:txBody>
+                  <a:tcPr/>
+                </a:tc>
+                <a:tc>
+                  <a:txBody>
+                    <a:bodyPr/>
+                    <a:lstStyle/>
+                    <a:p>
+                      <a:r>
+                        <a:rPr lang="en-US" dirty="0"/>
+                        <a:t>Predicted</a:t>
                       </a:r>
                     </a:p>
                   </a:txBody>
@@ -8413,46 +10284,46 @@
                     <a:p>
                       <a:r>
                         <a:rPr lang="en-US" dirty="0"/>
-                        <a:t>Win</a:t>
-                      </a:r>
-                    </a:p>
-                  </a:txBody>
-                  <a:tcPr/>
-                </a:tc>
-                <a:tc>
-                  <a:txBody>
-                    <a:bodyPr/>
-                    <a:lstStyle/>
-                    <a:p>
-                      <a:r>
-                        <a:rPr lang="en-US" dirty="0"/>
-                        <a:t>.3736</a:t>
-                      </a:r>
-                    </a:p>
-                  </a:txBody>
-                  <a:tcPr/>
-                </a:tc>
-                <a:tc>
-                  <a:txBody>
-                    <a:bodyPr/>
-                    <a:lstStyle/>
-                    <a:p>
-                      <a:r>
-                        <a:rPr lang="en-US" dirty="0"/>
-                        <a:t>.4427</a:t>
-                      </a:r>
-                    </a:p>
-                  </a:txBody>
-                  <a:tcPr/>
-                </a:tc>
-                <a:tc>
-                  <a:txBody>
-                    <a:bodyPr/>
-                    <a:lstStyle/>
-                    <a:p>
-                      <a:r>
-                        <a:rPr lang="en-US" dirty="0"/>
-                        <a:t>.4295</a:t>
+                        <a:t>(Win/Not)</a:t>
+                      </a:r>
+                    </a:p>
+                  </a:txBody>
+                  <a:tcPr/>
+                </a:tc>
+                <a:tc>
+                  <a:txBody>
+                    <a:bodyPr/>
+                    <a:lstStyle/>
+                    <a:p>
+                      <a:r>
+                        <a:rPr lang="en-US" dirty="0"/>
+                        <a:t>Actual</a:t>
+                      </a:r>
+                    </a:p>
+                  </a:txBody>
+                  <a:tcPr/>
+                </a:tc>
+                <a:tc>
+                  <a:txBody>
+                    <a:bodyPr/>
+                    <a:lstStyle/>
+                    <a:p>
+                      <a:r>
+                        <a:rPr lang="en-US" dirty="0"/>
+                        <a:t>FALSE</a:t>
+                      </a:r>
+                    </a:p>
+                  </a:txBody>
+                  <a:tcPr/>
+                </a:tc>
+                <a:tc>
+                  <a:txBody>
+                    <a:bodyPr/>
+                    <a:lstStyle/>
+                    <a:p>
+                      <a:r>
+                        <a:rPr lang="en-US" dirty="0"/>
+                        <a:t>TRUE</a:t>
                       </a:r>
                     </a:p>
                   </a:txBody>
@@ -8475,7 +10346,7 @@
                     <a:p>
                       <a:r>
                         <a:rPr lang="en-US" dirty="0"/>
-                        <a:t>.4605</a:t>
+                        <a:t>(Draw/Not)</a:t>
                       </a:r>
                     </a:p>
                   </a:txBody>
@@ -8498,33 +10369,33 @@
                     <a:p>
                       <a:r>
                         <a:rPr lang="en-US" dirty="0"/>
-                        <a:t>.5170</a:t>
-                      </a:r>
-                    </a:p>
-                  </a:txBody>
-                  <a:tcPr/>
-                </a:tc>
-                <a:tc>
-                  <a:txBody>
-                    <a:bodyPr/>
-                    <a:lstStyle/>
-                    <a:p>
-                      <a:r>
-                        <a:rPr lang="en-US" dirty="0"/>
-                        <a:t>.4994</a:t>
-                      </a:r>
-                    </a:p>
-                  </a:txBody>
-                  <a:tcPr/>
-                </a:tc>
-                <a:tc>
-                  <a:txBody>
-                    <a:bodyPr/>
-                    <a:lstStyle/>
-                    <a:p>
-                      <a:r>
-                        <a:rPr lang="en-US" dirty="0"/>
-                        <a:t>(in-sample)</a:t>
+                        <a:t>Actual</a:t>
+                      </a:r>
+                    </a:p>
+                  </a:txBody>
+                  <a:tcPr/>
+                </a:tc>
+                <a:tc>
+                  <a:txBody>
+                    <a:bodyPr/>
+                    <a:lstStyle/>
+                    <a:p>
+                      <a:r>
+                        <a:rPr lang="en-US" dirty="0"/>
+                        <a:t>FALSE</a:t>
+                      </a:r>
+                    </a:p>
+                  </a:txBody>
+                  <a:tcPr/>
+                </a:tc>
+                <a:tc>
+                  <a:txBody>
+                    <a:bodyPr/>
+                    <a:lstStyle/>
+                    <a:p>
+                      <a:r>
+                        <a:rPr lang="en-US" dirty="0"/>
+                        <a:t>TRUE</a:t>
                       </a:r>
                     </a:p>
                   </a:txBody>
@@ -8552,27 +10423,36 @@
                     <a:bodyPr/>
                     <a:lstStyle/>
                     <a:p>
-                      <a:endParaRPr lang="en-US" dirty="0"/>
-                    </a:p>
-                  </a:txBody>
-                  <a:tcPr/>
-                </a:tc>
-                <a:tc>
-                  <a:txBody>
-                    <a:bodyPr/>
-                    <a:lstStyle/>
-                    <a:p>
-                      <a:endParaRPr lang="en-US" dirty="0"/>
-                    </a:p>
-                  </a:txBody>
-                  <a:tcPr/>
-                </a:tc>
-                <a:tc>
-                  <a:txBody>
-                    <a:bodyPr/>
-                    <a:lstStyle/>
-                    <a:p>
-                      <a:endParaRPr lang="en-US" dirty="0"/>
+                      <a:r>
+                        <a:rPr lang="en-US" dirty="0"/>
+                        <a:t>0</a:t>
+                      </a:r>
+                    </a:p>
+                  </a:txBody>
+                  <a:tcPr/>
+                </a:tc>
+                <a:tc>
+                  <a:txBody>
+                    <a:bodyPr/>
+                    <a:lstStyle/>
+                    <a:p>
+                      <a:r>
+                        <a:rPr lang="en-US" dirty="0"/>
+                        <a:t>2,220</a:t>
+                      </a:r>
+                    </a:p>
+                  </a:txBody>
+                  <a:tcPr/>
+                </a:tc>
+                <a:tc>
+                  <a:txBody>
+                    <a:bodyPr/>
+                    <a:lstStyle/>
+                    <a:p>
+                      <a:r>
+                        <a:rPr lang="en-US" dirty="0"/>
+                        <a:t>385</a:t>
+                      </a:r>
                     </a:p>
                   </a:txBody>
                   <a:tcPr>
@@ -8614,33 +10494,33 @@
                     <a:p>
                       <a:r>
                         <a:rPr lang="en-US" dirty="0"/>
-                        <a:t>.5164</a:t>
-                      </a:r>
-                    </a:p>
-                  </a:txBody>
-                  <a:tcPr/>
-                </a:tc>
-                <a:tc>
-                  <a:txBody>
-                    <a:bodyPr/>
-                    <a:lstStyle/>
-                    <a:p>
-                      <a:r>
-                        <a:rPr lang="en-US" dirty="0"/>
-                        <a:t>.5021</a:t>
-                      </a:r>
-                    </a:p>
-                  </a:txBody>
-                  <a:tcPr/>
-                </a:tc>
-                <a:tc>
-                  <a:txBody>
-                    <a:bodyPr/>
-                    <a:lstStyle/>
-                    <a:p>
-                      <a:r>
-                        <a:rPr lang="en-US" dirty="0"/>
-                        <a:t>(out-of-sample)</a:t>
+                        <a:t>0</a:t>
+                      </a:r>
+                    </a:p>
+                  </a:txBody>
+                  <a:tcPr/>
+                </a:tc>
+                <a:tc>
+                  <a:txBody>
+                    <a:bodyPr/>
+                    <a:lstStyle/>
+                    <a:p>
+                      <a:r>
+                        <a:rPr lang="en-US" dirty="0"/>
+                        <a:t>9,082</a:t>
+                      </a:r>
+                    </a:p>
+                  </a:txBody>
+                  <a:tcPr/>
+                </a:tc>
+                <a:tc>
+                  <a:txBody>
+                    <a:bodyPr/>
+                    <a:lstStyle/>
+                    <a:p>
+                      <a:r>
+                        <a:rPr lang="en-US" dirty="0"/>
+                        <a:t>0</a:t>
                       </a:r>
                     </a:p>
                   </a:txBody>
@@ -8658,48 +10538,45 @@
                     <a:bodyPr/>
                     <a:lstStyle/>
                     <a:p>
-                      <a:r>
-                        <a:rPr lang="en-US" dirty="0"/>
-                        <a:t>Draw</a:t>
-                      </a:r>
-                    </a:p>
-                  </a:txBody>
-                  <a:tcPr/>
-                </a:tc>
-                <a:tc>
-                  <a:txBody>
-                    <a:bodyPr/>
-                    <a:lstStyle/>
-                    <a:p>
-                      <a:r>
-                        <a:rPr lang="en-US" dirty="0"/>
-                        <a:t>.2528</a:t>
-                      </a:r>
-                    </a:p>
-                  </a:txBody>
-                  <a:tcPr/>
-                </a:tc>
-                <a:tc>
-                  <a:txBody>
-                    <a:bodyPr/>
-                    <a:lstStyle/>
-                    <a:p>
-                      <a:r>
-                        <a:rPr lang="en-US" dirty="0"/>
-                        <a:t>.2486</a:t>
-                      </a:r>
-                    </a:p>
-                  </a:txBody>
-                  <a:tcPr/>
-                </a:tc>
-                <a:tc>
-                  <a:txBody>
-                    <a:bodyPr/>
-                    <a:lstStyle/>
-                    <a:p>
-                      <a:r>
-                        <a:rPr lang="en-US" dirty="0"/>
-                        <a:t>.2476</a:t>
+                      <a:endParaRPr lang="en-US" dirty="0"/>
+                    </a:p>
+                  </a:txBody>
+                  <a:tcPr/>
+                </a:tc>
+                <a:tc>
+                  <a:txBody>
+                    <a:bodyPr/>
+                    <a:lstStyle/>
+                    <a:p>
+                      <a:r>
+                        <a:rPr lang="en-US" dirty="0"/>
+                        <a:t>1</a:t>
+                      </a:r>
+                    </a:p>
+                  </a:txBody>
+                  <a:tcPr/>
+                </a:tc>
+                <a:tc>
+                  <a:txBody>
+                    <a:bodyPr/>
+                    <a:lstStyle/>
+                    <a:p>
+                      <a:r>
+                        <a:rPr lang="en-US" dirty="0"/>
+                        <a:t>986</a:t>
+                      </a:r>
+                    </a:p>
+                  </a:txBody>
+                  <a:tcPr/>
+                </a:tc>
+                <a:tc>
+                  <a:txBody>
+                    <a:bodyPr/>
+                    <a:lstStyle/>
+                    <a:p>
+                      <a:r>
+                        <a:rPr lang="en-US" dirty="0"/>
+                        <a:t>543</a:t>
                       </a:r>
                     </a:p>
                   </a:txBody>
@@ -8720,10 +10597,7 @@
                     <a:bodyPr/>
                     <a:lstStyle/>
                     <a:p>
-                      <a:r>
-                        <a:rPr lang="en-US" dirty="0"/>
-                        <a:t>.2528</a:t>
-                      </a:r>
+                      <a:endParaRPr lang="en-US" dirty="0"/>
                     </a:p>
                   </a:txBody>
                   <a:tcPr>
@@ -8745,33 +10619,33 @@
                     <a:p>
                       <a:r>
                         <a:rPr lang="en-US" dirty="0"/>
-                        <a:t>.2529</a:t>
-                      </a:r>
-                    </a:p>
-                  </a:txBody>
-                  <a:tcPr/>
-                </a:tc>
-                <a:tc>
-                  <a:txBody>
-                    <a:bodyPr/>
-                    <a:lstStyle/>
-                    <a:p>
-                      <a:r>
-                        <a:rPr lang="en-US" dirty="0"/>
-                        <a:t>.2581</a:t>
-                      </a:r>
-                    </a:p>
-                  </a:txBody>
-                  <a:tcPr/>
-                </a:tc>
-                <a:tc>
-                  <a:txBody>
-                    <a:bodyPr/>
-                    <a:lstStyle/>
-                    <a:p>
-                      <a:r>
-                        <a:rPr lang="en-US" dirty="0"/>
-                        <a:t>(in-sample)</a:t>
+                        <a:t>1</a:t>
+                      </a:r>
+                    </a:p>
+                  </a:txBody>
+                  <a:tcPr/>
+                </a:tc>
+                <a:tc>
+                  <a:txBody>
+                    <a:bodyPr/>
+                    <a:lstStyle/>
+                    <a:p>
+                      <a:r>
+                        <a:rPr lang="en-US" dirty="0"/>
+                        <a:t>3,032</a:t>
+                      </a:r>
+                    </a:p>
+                  </a:txBody>
+                  <a:tcPr/>
+                </a:tc>
+                <a:tc>
+                  <a:txBody>
+                    <a:bodyPr/>
+                    <a:lstStyle/>
+                    <a:p>
+                      <a:r>
+                        <a:rPr lang="en-US" dirty="0"/>
+                        <a:t>0</a:t>
                       </a:r>
                     </a:p>
                   </a:txBody>
@@ -8799,16 +10673,6 @@
                     <a:bodyPr/>
                     <a:lstStyle/>
                     <a:p>
-                      <a:endParaRPr lang="en-US"/>
-                    </a:p>
-                  </a:txBody>
-                  <a:tcPr/>
-                </a:tc>
-                <a:tc>
-                  <a:txBody>
-                    <a:bodyPr/>
-                    <a:lstStyle/>
-                    <a:p>
                       <a:endParaRPr lang="en-US" dirty="0"/>
                     </a:p>
                   </a:txBody>
@@ -8819,7 +10683,23 @@
                     <a:bodyPr/>
                     <a:lstStyle/>
                     <a:p>
-                      <a:endParaRPr lang="en-US"/>
+                      <a:r>
+                        <a:rPr lang="en-US" sz="1800" dirty="0"/>
+                        <a:t>in sample</a:t>
+                      </a:r>
+                    </a:p>
+                  </a:txBody>
+                  <a:tcPr/>
+                </a:tc>
+                <a:tc>
+                  <a:txBody>
+                    <a:bodyPr/>
+                    <a:lstStyle/>
+                    <a:p>
+                      <a:r>
+                        <a:rPr lang="en-US" sz="1800" dirty="0"/>
+                        <a:t>out</a:t>
+                      </a:r>
                     </a:p>
                   </a:txBody>
                   <a:tcPr>
@@ -8859,35 +10739,32 @@
                     <a:bodyPr/>
                     <a:lstStyle/>
                     <a:p>
-                      <a:r>
-                        <a:rPr lang="en-US" dirty="0"/>
-                        <a:t>.2585</a:t>
-                      </a:r>
-                    </a:p>
-                  </a:txBody>
-                  <a:tcPr/>
-                </a:tc>
-                <a:tc>
-                  <a:txBody>
-                    <a:bodyPr/>
-                    <a:lstStyle/>
-                    <a:p>
-                      <a:r>
-                        <a:rPr lang="en-US" dirty="0"/>
-                        <a:t>.2597</a:t>
-                      </a:r>
-                    </a:p>
-                  </a:txBody>
-                  <a:tcPr/>
-                </a:tc>
-                <a:tc>
-                  <a:txBody>
-                    <a:bodyPr/>
-                    <a:lstStyle/>
-                    <a:p>
-                      <a:r>
-                        <a:rPr lang="en-US" dirty="0"/>
-                        <a:t>(out-of-sample)</a:t>
+                      <a:endParaRPr lang="en-US" dirty="0"/>
+                    </a:p>
+                  </a:txBody>
+                  <a:tcPr/>
+                </a:tc>
+                <a:tc>
+                  <a:txBody>
+                    <a:bodyPr/>
+                    <a:lstStyle/>
+                    <a:p>
+                      <a:r>
+                        <a:rPr lang="en-US" dirty="0"/>
+                        <a:t>in sample</a:t>
+                      </a:r>
+                    </a:p>
+                  </a:txBody>
+                  <a:tcPr/>
+                </a:tc>
+                <a:tc>
+                  <a:txBody>
+                    <a:bodyPr/>
+                    <a:lstStyle/>
+                    <a:p>
+                      <a:r>
+                        <a:rPr lang="en-US" dirty="0"/>
+                        <a:t>out</a:t>
                       </a:r>
                     </a:p>
                   </a:txBody>
@@ -8905,57 +10782,62 @@
                     <a:bodyPr/>
                     <a:lstStyle/>
                     <a:p>
-                      <a:r>
-                        <a:rPr lang="en-US" dirty="0"/>
-                        <a:t>AIC</a:t>
-                      </a:r>
-                    </a:p>
-                  </a:txBody>
-                  <a:tcPr/>
-                </a:tc>
-                <a:tc>
-                  <a:txBody>
-                    <a:bodyPr/>
-                    <a:lstStyle/>
-                    <a:p>
-                      <a:endParaRPr lang="en-US"/>
-                    </a:p>
-                  </a:txBody>
-                  <a:tcPr/>
-                </a:tc>
-                <a:tc>
-                  <a:txBody>
-                    <a:bodyPr/>
-                    <a:lstStyle/>
-                    <a:p>
-                      <a:r>
-                        <a:rPr lang="en-US" dirty="0"/>
-                        <a:t>14683</a:t>
-                      </a:r>
-                    </a:p>
-                    <a:p>
-                      <a:r>
-                        <a:rPr lang="en-US" dirty="0"/>
-                        <a:t>13573</a:t>
-                      </a:r>
-                    </a:p>
-                  </a:txBody>
-                  <a:tcPr/>
-                </a:tc>
-                <a:tc>
-                  <a:txBody>
-                    <a:bodyPr/>
-                    <a:lstStyle/>
-                    <a:p>
-                      <a:r>
-                        <a:rPr lang="en-US" dirty="0"/>
-                        <a:t>14810</a:t>
-                      </a:r>
-                    </a:p>
-                    <a:p>
-                      <a:r>
-                        <a:rPr lang="en-US" dirty="0"/>
-                        <a:t>13553</a:t>
+                      <a:endParaRPr lang="en-US" baseline="-25000" dirty="0"/>
+                    </a:p>
+                  </a:txBody>
+                  <a:tcPr/>
+                </a:tc>
+                <a:tc>
+                  <a:txBody>
+                    <a:bodyPr/>
+                    <a:lstStyle/>
+                    <a:p>
+                      <a:r>
+                        <a:rPr lang="en-US" sz="2600" baseline="-25000" dirty="0"/>
+                        <a:t>Accuracy</a:t>
+                      </a:r>
+                    </a:p>
+                  </a:txBody>
+                  <a:tcPr/>
+                </a:tc>
+                <a:tc>
+                  <a:txBody>
+                    <a:bodyPr/>
+                    <a:lstStyle/>
+                    <a:p>
+                      <a:r>
+                        <a:rPr lang="en-US" sz="2600" baseline="-25000" dirty="0"/>
+                        <a:t>.6691</a:t>
+                      </a:r>
+                    </a:p>
+                  </a:txBody>
+                  <a:tcPr/>
+                </a:tc>
+                <a:tc>
+                  <a:txBody>
+                    <a:bodyPr/>
+                    <a:lstStyle/>
+                    <a:p>
+                      <a:pPr marL="0" marR="0" lvl="0" indent="0" algn="l" defTabSz="457200" rtl="0" eaLnBrk="1" fontAlgn="auto" latinLnBrk="0" hangingPunct="1">
+                        <a:lnSpc>
+                          <a:spcPct val="100000"/>
+                        </a:lnSpc>
+                        <a:spcBef>
+                          <a:spcPts val="0"/>
+                        </a:spcBef>
+                        <a:spcAft>
+                          <a:spcPts val="0"/>
+                        </a:spcAft>
+                        <a:buClrTx/>
+                        <a:buSzTx/>
+                        <a:buFontTx/>
+                        <a:buNone/>
+                        <a:tabLst/>
+                        <a:defRPr/>
+                      </a:pPr>
+                      <a:r>
+                        <a:rPr lang="en-US" sz="2600" baseline="-25000" dirty="0"/>
+                        <a:t>.6684</a:t>
                       </a:r>
                     </a:p>
                   </a:txBody>
@@ -8976,7 +10858,7 @@
                     <a:bodyPr/>
                     <a:lstStyle/>
                     <a:p>
-                      <a:endParaRPr lang="en-US" dirty="0"/>
+                      <a:endParaRPr lang="en-US" baseline="-25000" dirty="0"/>
                     </a:p>
                   </a:txBody>
                   <a:tcPr>
@@ -8997,53 +10879,36 @@
                     <a:lstStyle/>
                     <a:p>
                       <a:r>
-                        <a:rPr lang="en-US" dirty="0"/>
-                        <a:t>7810.3</a:t>
-                      </a:r>
-                    </a:p>
-                    <a:p>
-                      <a:r>
-                        <a:rPr lang="en-US" dirty="0"/>
-                        <a:t>6773.1</a:t>
-                      </a:r>
-                    </a:p>
-                  </a:txBody>
-                  <a:tcPr/>
-                </a:tc>
-                <a:tc>
-                  <a:txBody>
-                    <a:bodyPr/>
-                    <a:lstStyle/>
-                    <a:p>
-                      <a:r>
-                        <a:rPr lang="en-US" dirty="0"/>
-                        <a:t>8011.5</a:t>
-                      </a:r>
-                    </a:p>
-                    <a:p>
-                      <a:r>
-                        <a:rPr lang="en-US" dirty="0"/>
-                        <a:t>6770</a:t>
-                      </a:r>
-                    </a:p>
-                  </a:txBody>
-                  <a:tcPr/>
-                </a:tc>
-                <a:tc>
-                  <a:txBody>
-                    <a:bodyPr/>
-                    <a:lstStyle/>
-                    <a:p>
-                      <a:r>
-                        <a:rPr lang="en-US" dirty="0"/>
-                        <a:t>(win AIC)</a:t>
-                      </a:r>
-                    </a:p>
-                    <a:p>
-                      <a:r>
-                        <a:rPr lang="en-US" dirty="0"/>
-                        <a:t>(draw (AIC)</a:t>
-                      </a:r>
+                        <a:rPr lang="en-US" sz="2600" baseline="-25000" dirty="0"/>
+                        <a:t>Accuracy</a:t>
+                      </a:r>
+                    </a:p>
+                  </a:txBody>
+                  <a:tcPr/>
+                </a:tc>
+                <a:tc>
+                  <a:txBody>
+                    <a:bodyPr/>
+                    <a:lstStyle/>
+                    <a:p>
+                      <a:r>
+                        <a:rPr lang="en-US" dirty="0"/>
+                        <a:t>.7497</a:t>
+                      </a:r>
+                    </a:p>
+                  </a:txBody>
+                  <a:tcPr/>
+                </a:tc>
+                <a:tc>
+                  <a:txBody>
+                    <a:bodyPr/>
+                    <a:lstStyle/>
+                    <a:p>
+                      <a:r>
+                        <a:rPr lang="en-US" dirty="0"/>
+                        <a:t>.7397</a:t>
+                      </a:r>
+                      <a:endParaRPr lang="en-US" baseline="-25000" dirty="0"/>
                     </a:p>
                   </a:txBody>
                   <a:tcPr/>
@@ -9051,6 +10916,274 @@
                 <a:extLst>
                   <a:ext uri="{0D108BD9-81ED-4DB2-BD59-A6C34878D82A}">
                     <a16:rowId xmlns:a16="http://schemas.microsoft.com/office/drawing/2014/main" val="2961028323"/>
+                  </a:ext>
+                </a:extLst>
+              </a:tr>
+              <a:tr h="370840">
+                <a:tc>
+                  <a:txBody>
+                    <a:bodyPr/>
+                    <a:lstStyle/>
+                    <a:p>
+                      <a:endParaRPr lang="en-US" baseline="-25000" dirty="0"/>
+                    </a:p>
+                  </a:txBody>
+                  <a:tcPr/>
+                </a:tc>
+                <a:tc>
+                  <a:txBody>
+                    <a:bodyPr/>
+                    <a:lstStyle/>
+                    <a:p>
+                      <a:r>
+                        <a:rPr lang="en-US" dirty="0"/>
+                        <a:t>Misclass R</a:t>
+                      </a:r>
+                    </a:p>
+                  </a:txBody>
+                  <a:tcPr/>
+                </a:tc>
+                <a:tc>
+                  <a:txBody>
+                    <a:bodyPr/>
+                    <a:lstStyle/>
+                    <a:p>
+                      <a:r>
+                        <a:rPr lang="en-US" sz="2600" baseline="-25000" dirty="0"/>
+                        <a:t>.3309</a:t>
+                      </a:r>
+                    </a:p>
+                  </a:txBody>
+                  <a:tcPr/>
+                </a:tc>
+                <a:tc>
+                  <a:txBody>
+                    <a:bodyPr/>
+                    <a:lstStyle/>
+                    <a:p>
+                      <a:r>
+                        <a:rPr lang="en-US" sz="2600" baseline="-25000" dirty="0"/>
+                        <a:t>.3316</a:t>
+                      </a:r>
+                    </a:p>
+                  </a:txBody>
+                  <a:tcPr>
+                    <a:lnR w="12700" cap="flat" cmpd="sng" algn="ctr">
+                      <a:solidFill>
+                        <a:schemeClr val="tx1"/>
+                      </a:solidFill>
+                      <a:prstDash val="solid"/>
+                      <a:round/>
+                      <a:headEnd type="none" w="med" len="med"/>
+                      <a:tailEnd type="none" w="med" len="med"/>
+                    </a:lnR>
+                  </a:tcPr>
+                </a:tc>
+                <a:tc>
+                  <a:txBody>
+                    <a:bodyPr/>
+                    <a:lstStyle/>
+                    <a:p>
+                      <a:endParaRPr lang="en-US" baseline="-25000" dirty="0"/>
+                    </a:p>
+                  </a:txBody>
+                  <a:tcPr>
+                    <a:lnL w="12700" cap="flat" cmpd="sng" algn="ctr">
+                      <a:solidFill>
+                        <a:schemeClr val="tx1"/>
+                      </a:solidFill>
+                      <a:prstDash val="solid"/>
+                      <a:round/>
+                      <a:headEnd type="none" w="med" len="med"/>
+                      <a:tailEnd type="none" w="med" len="med"/>
+                    </a:lnL>
+                  </a:tcPr>
+                </a:tc>
+                <a:tc>
+                  <a:txBody>
+                    <a:bodyPr/>
+                    <a:lstStyle/>
+                    <a:p>
+                      <a:r>
+                        <a:rPr lang="en-US" dirty="0"/>
+                        <a:t>Misclass R</a:t>
+                      </a:r>
+                    </a:p>
+                  </a:txBody>
+                  <a:tcPr/>
+                </a:tc>
+                <a:tc>
+                  <a:txBody>
+                    <a:bodyPr/>
+                    <a:lstStyle/>
+                    <a:p>
+                      <a:r>
+                        <a:rPr lang="en-US" dirty="0"/>
+                        <a:t>.2503</a:t>
+                      </a:r>
+                    </a:p>
+                  </a:txBody>
+                  <a:tcPr/>
+                </a:tc>
+                <a:tc>
+                  <a:txBody>
+                    <a:bodyPr/>
+                    <a:lstStyle/>
+                    <a:p>
+                      <a:r>
+                        <a:rPr lang="en-US" dirty="0"/>
+                        <a:t>.2603</a:t>
+                      </a:r>
+                      <a:endParaRPr lang="en-US" baseline="-25000" dirty="0"/>
+                    </a:p>
+                  </a:txBody>
+                  <a:tcPr/>
+                </a:tc>
+                <a:extLst>
+                  <a:ext uri="{0D108BD9-81ED-4DB2-BD59-A6C34878D82A}">
+                    <a16:rowId xmlns:a16="http://schemas.microsoft.com/office/drawing/2014/main" val="1033322998"/>
+                  </a:ext>
+                </a:extLst>
+              </a:tr>
+              <a:tr h="370840">
+                <a:tc>
+                  <a:txBody>
+                    <a:bodyPr/>
+                    <a:lstStyle/>
+                    <a:p>
+                      <a:endParaRPr lang="en-US" baseline="-25000" dirty="0"/>
+                    </a:p>
+                  </a:txBody>
+                  <a:tcPr/>
+                </a:tc>
+                <a:tc>
+                  <a:txBody>
+                    <a:bodyPr/>
+                    <a:lstStyle/>
+                    <a:p>
+                      <a:r>
+                        <a:rPr lang="en-US" sz="2600" baseline="-25000" dirty="0"/>
+                        <a:t>Sensitivity</a:t>
+                      </a:r>
+                    </a:p>
+                  </a:txBody>
+                  <a:tcPr/>
+                </a:tc>
+                <a:tc>
+                  <a:txBody>
+                    <a:bodyPr/>
+                    <a:lstStyle/>
+                    <a:p>
+                      <a:r>
+                        <a:rPr lang="en-US" sz="2600" baseline="-25000" dirty="0"/>
+                        <a:t>.3614</a:t>
+                      </a:r>
+                    </a:p>
+                  </a:txBody>
+                  <a:tcPr/>
+                </a:tc>
+                <a:tc>
+                  <a:txBody>
+                    <a:bodyPr/>
+                    <a:lstStyle/>
+                    <a:p>
+                      <a:pPr marL="0" marR="0" lvl="0" indent="0" algn="l" defTabSz="457200" rtl="0" eaLnBrk="1" fontAlgn="auto" latinLnBrk="0" hangingPunct="1">
+                        <a:lnSpc>
+                          <a:spcPct val="100000"/>
+                        </a:lnSpc>
+                        <a:spcBef>
+                          <a:spcPts val="0"/>
+                        </a:spcBef>
+                        <a:spcAft>
+                          <a:spcPts val="0"/>
+                        </a:spcAft>
+                        <a:buClrTx/>
+                        <a:buSzTx/>
+                        <a:buFontTx/>
+                        <a:buNone/>
+                        <a:tabLst/>
+                        <a:defRPr/>
+                      </a:pPr>
+                      <a:r>
+                        <a:rPr lang="en-US" sz="2600" baseline="-25000" dirty="0"/>
+                        <a:t>.3551</a:t>
+                      </a:r>
+                    </a:p>
+                  </a:txBody>
+                  <a:tcPr>
+                    <a:lnR w="12700" cap="flat" cmpd="sng" algn="ctr">
+                      <a:solidFill>
+                        <a:schemeClr val="tx1"/>
+                      </a:solidFill>
+                      <a:prstDash val="solid"/>
+                      <a:round/>
+                      <a:headEnd type="none" w="med" len="med"/>
+                      <a:tailEnd type="none" w="med" len="med"/>
+                    </a:lnR>
+                  </a:tcPr>
+                </a:tc>
+                <a:tc>
+                  <a:txBody>
+                    <a:bodyPr/>
+                    <a:lstStyle/>
+                    <a:p>
+                      <a:endParaRPr lang="en-US" baseline="-25000" dirty="0"/>
+                    </a:p>
+                  </a:txBody>
+                  <a:tcPr>
+                    <a:lnL w="12700" cap="flat" cmpd="sng" algn="ctr">
+                      <a:solidFill>
+                        <a:schemeClr val="tx1"/>
+                      </a:solidFill>
+                      <a:prstDash val="solid"/>
+                      <a:round/>
+                      <a:headEnd type="none" w="med" len="med"/>
+                      <a:tailEnd type="none" w="med" len="med"/>
+                    </a:lnL>
+                  </a:tcPr>
+                </a:tc>
+                <a:tc>
+                  <a:txBody>
+                    <a:bodyPr/>
+                    <a:lstStyle/>
+                    <a:p>
+                      <a:r>
+                        <a:rPr lang="en-US" sz="2600" baseline="-25000" dirty="0"/>
+                        <a:t>Sensitivity</a:t>
+                      </a:r>
+                    </a:p>
+                  </a:txBody>
+                  <a:tcPr/>
+                </a:tc>
+                <a:tc>
+                  <a:txBody>
+                    <a:bodyPr/>
+                    <a:lstStyle/>
+                    <a:p>
+                      <a:r>
+                        <a:rPr lang="en-US" dirty="0"/>
+                        <a:t>--</a:t>
+                      </a:r>
+                    </a:p>
+                  </a:txBody>
+                  <a:tcPr/>
+                </a:tc>
+                <a:tc>
+                  <a:txBody>
+                    <a:bodyPr/>
+                    <a:lstStyle/>
+                    <a:p>
+                      <a:r>
+                        <a:rPr lang="en-US" baseline="-25000" dirty="0"/>
+                        <a:t>--</a:t>
+                      </a:r>
+                    </a:p>
+                  </a:txBody>
+                  <a:tcPr/>
+                </a:tc>
+                <a:extLst>
+                  <a:ext uri="{0D108BD9-81ED-4DB2-BD59-A6C34878D82A}">
+                    <a16:rowId xmlns:a16="http://schemas.microsoft.com/office/drawing/2014/main" val="1407020983"/>
                   </a:ext>
                 </a:extLst>
               </a:tr>
@@ -9088,19 +11221,19 @@
           <a:p>
             <a:r>
               <a:rPr lang="en-US" dirty="0"/>
-              <a:t>Baseline Models: B1 and B2</a:t>
+              <a:t>Baseline Models: B1 and B2 – Overall Accuracy:</a:t>
             </a:r>
           </a:p>
           <a:p>
             <a:r>
               <a:rPr lang="en-US" dirty="0"/>
-              <a:t>Initial logistic regressions: L1 and L2 (Not shown in previous slide)</a:t>
+              <a:t>B1 win: 0.3736 /// B1 draw: 0.2528</a:t>
             </a:r>
           </a:p>
           <a:p>
             <a:r>
               <a:rPr lang="en-US" dirty="0"/>
-              <a:t>Secondary logistic regressions: M3 and M4 (Shown in previous slide)</a:t>
+              <a:t>B2 win: 0.4605 /// B1 draw: 0.2528</a:t>
             </a:r>
           </a:p>
         </p:txBody>
@@ -9140,10 +11273,49 @@
           </a:p>
         </p:txBody>
       </p:sp>
+      <p:cxnSp>
+        <p:nvCxnSpPr>
+          <p:cNvPr id="6" name="Straight Connector 5">
+            <a:extLst>
+              <a:ext uri="{FF2B5EF4-FFF2-40B4-BE49-F238E27FC236}">
+                <a16:creationId xmlns:a16="http://schemas.microsoft.com/office/drawing/2014/main" id="{E2FB49A6-8319-44C0-BF7B-8C48E7B6D964}"/>
+              </a:ext>
+            </a:extLst>
+          </p:cNvPr>
+          <p:cNvCxnSpPr>
+            <a:endCxn id="4" idx="3"/>
+          </p:cNvCxnSpPr>
+          <p:nvPr/>
+        </p:nvCxnSpPr>
+        <p:spPr>
+          <a:xfrm>
+            <a:off x="684212" y="1828800"/>
+            <a:ext cx="10434360" cy="21009"/>
+          </a:xfrm>
+          <a:prstGeom prst="line">
+            <a:avLst/>
+          </a:prstGeom>
+          <a:ln w="98425"/>
+        </p:spPr>
+        <p:style>
+          <a:lnRef idx="2">
+            <a:schemeClr val="accent1"/>
+          </a:lnRef>
+          <a:fillRef idx="0">
+            <a:schemeClr val="accent1"/>
+          </a:fillRef>
+          <a:effectRef idx="1">
+            <a:schemeClr val="accent1"/>
+          </a:effectRef>
+          <a:fontRef idx="minor">
+            <a:schemeClr val="tx1"/>
+          </a:fontRef>
+        </p:style>
+      </p:cxnSp>
     </p:spTree>
     <p:extLst>
       <p:ext uri="{BB962C8B-B14F-4D97-AF65-F5344CB8AC3E}">
-        <p14:creationId xmlns:p14="http://schemas.microsoft.com/office/powerpoint/2010/main" val="1441165041"/>
+        <p14:creationId xmlns:p14="http://schemas.microsoft.com/office/powerpoint/2010/main" val="2861092477"/>
       </p:ext>
     </p:extLst>
   </p:cSld>
@@ -9153,7 +11325,7 @@
 </p:sld>
 </file>
 
-<file path=ppt/slides/slide16.xml><?xml version="1.0" encoding="utf-8"?>
+<file path=ppt/slides/slide18.xml><?xml version="1.0" encoding="utf-8"?>
 <p:sld xmlns:a="http://schemas.openxmlformats.org/drawingml/2006/main" xmlns:r="http://schemas.openxmlformats.org/officeDocument/2006/relationships" xmlns:p="http://schemas.openxmlformats.org/presentationml/2006/main">
   <p:cSld>
     <p:spTree>
@@ -9257,7 +11429,7 @@
                   <a:schemeClr val="tx1"/>
                 </a:solidFill>
               </a:rPr>
-              <a:t>Select Model 1 or Model 2</a:t>
+              <a:t>Select the Model 5/6 Pair</a:t>
             </a:r>
           </a:p>
           <a:p>
@@ -10195,7 +12367,7 @@
           <p:nvPr>
             <p:extLst>
               <p:ext uri="{D42A27DB-BD31-4B8C-83A1-F6EECF244321}">
-                <p14:modId xmlns:p14="http://schemas.microsoft.com/office/powerpoint/2010/main" val="3905412741"/>
+                <p14:modId xmlns:p14="http://schemas.microsoft.com/office/powerpoint/2010/main" val="3344846228"/>
               </p:ext>
             </p:extLst>
           </p:nvPr>
@@ -10254,7 +12426,7 @@
                     <a:p>
                       <a:r>
                         <a:rPr lang="en-US" b="0" dirty="0" err="1"/>
-                        <a:t>HTgoalDiff</a:t>
+                        <a:t>goalDiff</a:t>
                       </a:r>
                       <a:r>
                         <a:rPr lang="en-US" b="0" dirty="0"/>
@@ -10269,14 +12441,7 @@
                     <a:bodyPr/>
                     <a:lstStyle/>
                     <a:p>
-                      <a:r>
-                        <a:rPr lang="en-US" b="0" dirty="0" err="1"/>
-                        <a:t>ATgoalDiff</a:t>
-                      </a:r>
-                      <a:r>
-                        <a:rPr lang="en-US" b="0" dirty="0"/>
-                        <a:t>*</a:t>
-                      </a:r>
+                      <a:endParaRPr lang="en-US" b="0" dirty="0"/>
                     </a:p>
                   </a:txBody>
                   <a:tcPr/>
@@ -10309,7 +12474,7 @@
                     <a:p>
                       <a:r>
                         <a:rPr lang="en-US" dirty="0" err="1"/>
-                        <a:t>HTshoton</a:t>
+                        <a:t>shotson</a:t>
                       </a:r>
                       <a:r>
                         <a:rPr lang="en-US" dirty="0"/>
@@ -10326,7 +12491,7 @@
                     <a:p>
                       <a:r>
                         <a:rPr lang="en-US" dirty="0" err="1"/>
-                        <a:t>AThoton</a:t>
+                        <a:t>oppShotson</a:t>
                       </a:r>
                       <a:r>
                         <a:rPr lang="en-US" dirty="0"/>
@@ -10364,7 +12529,7 @@
                     <a:p>
                       <a:r>
                         <a:rPr lang="en-US" dirty="0" err="1"/>
-                        <a:t>HTshotoff</a:t>
+                        <a:t>shotsoff</a:t>
                       </a:r>
                       <a:r>
                         <a:rPr lang="en-US" dirty="0"/>
@@ -10381,7 +12546,7 @@
                     <a:p>
                       <a:r>
                         <a:rPr lang="en-US" dirty="0" err="1"/>
-                        <a:t>ATShotoff</a:t>
+                        <a:t>oppShotsoff</a:t>
                       </a:r>
                       <a:r>
                         <a:rPr lang="en-US" dirty="0"/>
@@ -10418,25 +12583,21 @@
                     <a:lstStyle/>
                     <a:p>
                       <a:r>
+                        <a:rPr lang="en-US" dirty="0"/>
+                        <a:t>fouls*</a:t>
+                      </a:r>
+                    </a:p>
+                  </a:txBody>
+                  <a:tcPr/>
+                </a:tc>
+                <a:tc>
+                  <a:txBody>
+                    <a:bodyPr/>
+                    <a:lstStyle/>
+                    <a:p>
+                      <a:r>
                         <a:rPr lang="en-US" dirty="0" err="1"/>
-                        <a:t>HTfouls</a:t>
-                      </a:r>
-                      <a:r>
-                        <a:rPr lang="en-US" dirty="0"/>
-                        <a:t>*</a:t>
-                      </a:r>
-                    </a:p>
-                  </a:txBody>
-                  <a:tcPr/>
-                </a:tc>
-                <a:tc>
-                  <a:txBody>
-                    <a:bodyPr/>
-                    <a:lstStyle/>
-                    <a:p>
-                      <a:r>
-                        <a:rPr lang="en-US" dirty="0" err="1"/>
-                        <a:t>ATfouls</a:t>
+                        <a:t>oppFouls</a:t>
                       </a:r>
                       <a:r>
                         <a:rPr lang="en-US" dirty="0"/>
@@ -10473,7 +12634,7 @@
                     <a:p>
                       <a:r>
                         <a:rPr lang="en-US" dirty="0" err="1"/>
-                        <a:t>htYcard</a:t>
+                        <a:t>Ycards</a:t>
                       </a:r>
                       <a:r>
                         <a:rPr lang="en-US" dirty="0"/>
@@ -10490,7 +12651,7 @@
                     <a:p>
                       <a:r>
                         <a:rPr lang="en-US" dirty="0" err="1"/>
-                        <a:t>atYcard</a:t>
+                        <a:t>oppYcards</a:t>
                       </a:r>
                       <a:r>
                         <a:rPr lang="en-US" dirty="0"/>
@@ -10524,7 +12685,7 @@
                     <a:p>
                       <a:r>
                         <a:rPr lang="en-US" dirty="0" err="1"/>
-                        <a:t>htRcard</a:t>
+                        <a:t>Rcards</a:t>
                       </a:r>
                       <a:r>
                         <a:rPr lang="en-US" dirty="0"/>
@@ -10541,7 +12702,7 @@
                     <a:p>
                       <a:r>
                         <a:rPr lang="en-US" dirty="0" err="1"/>
-                        <a:t>atRcard</a:t>
+                        <a:t>oppRcards</a:t>
                       </a:r>
                       <a:r>
                         <a:rPr lang="en-US" dirty="0"/>
@@ -10577,25 +12738,21 @@
                     <a:lstStyle/>
                     <a:p>
                       <a:r>
+                        <a:rPr lang="en-US" dirty="0"/>
+                        <a:t>crosses*</a:t>
+                      </a:r>
+                    </a:p>
+                  </a:txBody>
+                  <a:tcPr/>
+                </a:tc>
+                <a:tc>
+                  <a:txBody>
+                    <a:bodyPr/>
+                    <a:lstStyle/>
+                    <a:p>
+                      <a:r>
                         <a:rPr lang="en-US" dirty="0" err="1"/>
-                        <a:t>HTcross</a:t>
-                      </a:r>
-                      <a:r>
-                        <a:rPr lang="en-US" dirty="0"/>
-                        <a:t>*</a:t>
-                      </a:r>
-                    </a:p>
-                  </a:txBody>
-                  <a:tcPr/>
-                </a:tc>
-                <a:tc>
-                  <a:txBody>
-                    <a:bodyPr/>
-                    <a:lstStyle/>
-                    <a:p>
-                      <a:r>
-                        <a:rPr lang="en-US" dirty="0" err="1"/>
-                        <a:t>ATCross</a:t>
+                        <a:t>oppCrosses</a:t>
                       </a:r>
                       <a:r>
                         <a:rPr lang="en-US" dirty="0"/>
@@ -10631,25 +12788,21 @@
                     <a:lstStyle/>
                     <a:p>
                       <a:r>
+                        <a:rPr lang="en-US" dirty="0"/>
+                        <a:t>corners*</a:t>
+                      </a:r>
+                    </a:p>
+                  </a:txBody>
+                  <a:tcPr/>
+                </a:tc>
+                <a:tc>
+                  <a:txBody>
+                    <a:bodyPr/>
+                    <a:lstStyle/>
+                    <a:p>
+                      <a:r>
                         <a:rPr lang="en-US" dirty="0" err="1"/>
-                        <a:t>HTcorners</a:t>
-                      </a:r>
-                      <a:r>
-                        <a:rPr lang="en-US" dirty="0"/>
-                        <a:t>*</a:t>
-                      </a:r>
-                    </a:p>
-                  </a:txBody>
-                  <a:tcPr/>
-                </a:tc>
-                <a:tc>
-                  <a:txBody>
-                    <a:bodyPr/>
-                    <a:lstStyle/>
-                    <a:p>
-                      <a:r>
-                        <a:rPr lang="en-US" dirty="0" err="1"/>
-                        <a:t>ATcorners</a:t>
+                        <a:t>oppCorners</a:t>
                       </a:r>
                       <a:r>
                         <a:rPr lang="en-US" dirty="0"/>
@@ -10686,7 +12839,7 @@
                     <a:p>
                       <a:r>
                         <a:rPr lang="en-US" dirty="0" err="1"/>
-                        <a:t>homePoss</a:t>
+                        <a:t>poss</a:t>
                       </a:r>
                       <a:r>
                         <a:rPr lang="en-US" dirty="0"/>
@@ -10703,7 +12856,7 @@
                     <a:p>
                       <a:r>
                         <a:rPr lang="en-US" dirty="0" err="1"/>
-                        <a:t>awayPoss</a:t>
+                        <a:t>oppPoss</a:t>
                       </a:r>
                       <a:r>
                         <a:rPr lang="en-US" dirty="0"/>
@@ -12358,7 +14511,7 @@
             </a:r>
             <a:r>
               <a:rPr lang="en-US" sz="3200" dirty="0" err="1"/>
-              <a:t>HTfouls</a:t>
+              <a:t>foulcommit</a:t>
             </a:r>
             <a:r>
               <a:rPr lang="en-US" sz="3200" dirty="0"/>
